--- a/contenido_curso/Programación Web - Día 2.pptx
+++ b/contenido_curso/Programación Web - Día 2.pptx
@@ -5,7 +5,7 @@
     <p:sldMasterId id="2147483648" r:id="rId1"/>
   </p:sldMasterIdLst>
   <p:notesMasterIdLst>
-    <p:notesMasterId r:id="rId12"/>
+    <p:notesMasterId r:id="rId17"/>
   </p:notesMasterIdLst>
   <p:sldIdLst>
     <p:sldId id="259" r:id="rId2"/>
@@ -18,6 +18,11 @@
     <p:sldId id="292" r:id="rId9"/>
     <p:sldId id="293" r:id="rId10"/>
     <p:sldId id="294" r:id="rId11"/>
+    <p:sldId id="295" r:id="rId12"/>
+    <p:sldId id="296" r:id="rId13"/>
+    <p:sldId id="297" r:id="rId14"/>
+    <p:sldId id="298" r:id="rId15"/>
+    <p:sldId id="299" r:id="rId16"/>
   </p:sldIdLst>
   <p:sldSz cx="9144000" cy="6858000" type="screen4x3"/>
   <p:notesSz cx="6858000" cy="9144000"/>
@@ -201,7 +206,7 @@
           <a:p>
             <a:fld id="{831EFE70-F5D3-49F6-8C2B-91E6FE538D8A}" type="datetimeFigureOut">
               <a:rPr lang="es-VE" smtClean="0"/>
-              <a:t>28/2/2023</a:t>
+              <a:t>20/4/2023</a:t>
             </a:fld>
             <a:endParaRPr lang="es-VE"/>
           </a:p>
@@ -650,7 +655,7 @@
           <a:p>
             <a:fld id="{823E8A56-526A-4CC4-96EA-C5813A8209A1}" type="datetimeFigureOut">
               <a:rPr lang="es-VE" smtClean="0"/>
-              <a:t>28/2/2023</a:t>
+              <a:t>20/4/2023</a:t>
             </a:fld>
             <a:endParaRPr lang="es-VE"/>
           </a:p>
@@ -820,7 +825,7 @@
           <a:p>
             <a:fld id="{823E8A56-526A-4CC4-96EA-C5813A8209A1}" type="datetimeFigureOut">
               <a:rPr lang="es-VE" smtClean="0"/>
-              <a:t>28/2/2023</a:t>
+              <a:t>20/4/2023</a:t>
             </a:fld>
             <a:endParaRPr lang="es-VE"/>
           </a:p>
@@ -1000,7 +1005,7 @@
           <a:p>
             <a:fld id="{823E8A56-526A-4CC4-96EA-C5813A8209A1}" type="datetimeFigureOut">
               <a:rPr lang="es-VE" smtClean="0"/>
-              <a:t>28/2/2023</a:t>
+              <a:t>20/4/2023</a:t>
             </a:fld>
             <a:endParaRPr lang="es-VE"/>
           </a:p>
@@ -1170,7 +1175,7 @@
           <a:p>
             <a:fld id="{823E8A56-526A-4CC4-96EA-C5813A8209A1}" type="datetimeFigureOut">
               <a:rPr lang="es-VE" smtClean="0"/>
-              <a:t>28/2/2023</a:t>
+              <a:t>20/4/2023</a:t>
             </a:fld>
             <a:endParaRPr lang="es-VE"/>
           </a:p>
@@ -1416,7 +1421,7 @@
           <a:p>
             <a:fld id="{823E8A56-526A-4CC4-96EA-C5813A8209A1}" type="datetimeFigureOut">
               <a:rPr lang="es-VE" smtClean="0"/>
-              <a:t>28/2/2023</a:t>
+              <a:t>20/4/2023</a:t>
             </a:fld>
             <a:endParaRPr lang="es-VE"/>
           </a:p>
@@ -1704,7 +1709,7 @@
           <a:p>
             <a:fld id="{823E8A56-526A-4CC4-96EA-C5813A8209A1}" type="datetimeFigureOut">
               <a:rPr lang="es-VE" smtClean="0"/>
-              <a:t>28/2/2023</a:t>
+              <a:t>20/4/2023</a:t>
             </a:fld>
             <a:endParaRPr lang="es-VE"/>
           </a:p>
@@ -2126,7 +2131,7 @@
           <a:p>
             <a:fld id="{823E8A56-526A-4CC4-96EA-C5813A8209A1}" type="datetimeFigureOut">
               <a:rPr lang="es-VE" smtClean="0"/>
-              <a:t>28/2/2023</a:t>
+              <a:t>20/4/2023</a:t>
             </a:fld>
             <a:endParaRPr lang="es-VE"/>
           </a:p>
@@ -2244,7 +2249,7 @@
           <a:p>
             <a:fld id="{823E8A56-526A-4CC4-96EA-C5813A8209A1}" type="datetimeFigureOut">
               <a:rPr lang="es-VE" smtClean="0"/>
-              <a:t>28/2/2023</a:t>
+              <a:t>20/4/2023</a:t>
             </a:fld>
             <a:endParaRPr lang="es-VE"/>
           </a:p>
@@ -2339,7 +2344,7 @@
           <a:p>
             <a:fld id="{823E8A56-526A-4CC4-96EA-C5813A8209A1}" type="datetimeFigureOut">
               <a:rPr lang="es-VE" smtClean="0"/>
-              <a:t>28/2/2023</a:t>
+              <a:t>20/4/2023</a:t>
             </a:fld>
             <a:endParaRPr lang="es-VE"/>
           </a:p>
@@ -2616,7 +2621,7 @@
           <a:p>
             <a:fld id="{823E8A56-526A-4CC4-96EA-C5813A8209A1}" type="datetimeFigureOut">
               <a:rPr lang="es-VE" smtClean="0"/>
-              <a:t>28/2/2023</a:t>
+              <a:t>20/4/2023</a:t>
             </a:fld>
             <a:endParaRPr lang="es-VE"/>
           </a:p>
@@ -2869,7 +2874,7 @@
           <a:p>
             <a:fld id="{823E8A56-526A-4CC4-96EA-C5813A8209A1}" type="datetimeFigureOut">
               <a:rPr lang="es-VE" smtClean="0"/>
-              <a:t>28/2/2023</a:t>
+              <a:t>20/4/2023</a:t>
             </a:fld>
             <a:endParaRPr lang="es-VE"/>
           </a:p>
@@ -3082,7 +3087,7 @@
           <a:p>
             <a:fld id="{823E8A56-526A-4CC4-96EA-C5813A8209A1}" type="datetimeFigureOut">
               <a:rPr lang="es-VE" smtClean="0"/>
-              <a:t>28/2/2023</a:t>
+              <a:t>20/4/2023</a:t>
             </a:fld>
             <a:endParaRPr lang="es-VE"/>
           </a:p>
@@ -3652,8 +3657,8 @@
         </p:nvSpPr>
         <p:spPr>
           <a:xfrm>
-            <a:off x="395536" y="404664"/>
-            <a:ext cx="7996100" cy="523220"/>
+            <a:off x="2048395" y="666274"/>
+            <a:ext cx="5253361" cy="523220"/>
           </a:xfrm>
           <a:prstGeom prst="rect">
             <a:avLst/>
@@ -3673,7 +3678,7 @@
                 </a:solidFill>
                 <a:latin typeface="Ubuntu" panose="020B0504030602030204" pitchFamily="34" charset="0"/>
               </a:rPr>
-              <a:t>Sistema de control de Versiones Centralizado</a:t>
+              <a:t>Estándares para ramas en GIT</a:t>
             </a:r>
             <a:endParaRPr lang="es-VE" sz="2800" b="1" dirty="0">
               <a:solidFill>
@@ -3729,6 +3734,1098 @@
     <p:extLst>
       <p:ext uri="{BB962C8B-B14F-4D97-AF65-F5344CB8AC3E}">
         <p14:creationId xmlns:p14="http://schemas.microsoft.com/office/powerpoint/2010/main" val="651421470"/>
+      </p:ext>
+    </p:extLst>
+  </p:cSld>
+  <p:clrMapOvr>
+    <a:masterClrMapping/>
+  </p:clrMapOvr>
+  <p:timing>
+    <p:tnLst>
+      <p:par>
+        <p:cTn id="1" dur="indefinite" restart="never" nodeType="tmRoot"/>
+      </p:par>
+    </p:tnLst>
+  </p:timing>
+</p:sld>
+</file>
+
+<file path=ppt/slides/slide11.xml><?xml version="1.0" encoding="utf-8"?>
+<p:sld xmlns:a="http://schemas.openxmlformats.org/drawingml/2006/main" xmlns:r="http://schemas.openxmlformats.org/officeDocument/2006/relationships" xmlns:p="http://schemas.openxmlformats.org/presentationml/2006/main">
+  <p:cSld>
+    <p:bg>
+      <p:bgPr>
+        <a:gradFill>
+          <a:gsLst>
+            <a:gs pos="0">
+              <a:srgbClr val="990033">
+                <a:lumMod val="81000"/>
+              </a:srgbClr>
+            </a:gs>
+            <a:gs pos="84000">
+              <a:schemeClr val="accent4">
+                <a:lumMod val="25000"/>
+              </a:schemeClr>
+            </a:gs>
+          </a:gsLst>
+          <a:lin ang="19200000" scaled="0"/>
+        </a:gradFill>
+        <a:effectLst/>
+      </p:bgPr>
+    </p:bg>
+    <p:spTree>
+      <p:nvGrpSpPr>
+        <p:cNvPr id="1" name=""/>
+        <p:cNvGrpSpPr/>
+        <p:nvPr/>
+      </p:nvGrpSpPr>
+      <p:grpSpPr>
+        <a:xfrm>
+          <a:off x="0" y="0"/>
+          <a:ext cx="0" cy="0"/>
+          <a:chOff x="0" y="0"/>
+          <a:chExt cx="0" cy="0"/>
+        </a:xfrm>
+      </p:grpSpPr>
+      <p:sp>
+        <p:nvSpPr>
+          <p:cNvPr id="2" name="1 CuadroTexto"/>
+          <p:cNvSpPr txBox="1"/>
+          <p:nvPr/>
+        </p:nvSpPr>
+        <p:spPr>
+          <a:xfrm>
+            <a:off x="1292310" y="2028617"/>
+            <a:ext cx="6559381" cy="2800767"/>
+          </a:xfrm>
+          <a:prstGeom prst="rect">
+            <a:avLst/>
+          </a:prstGeom>
+          <a:noFill/>
+        </p:spPr>
+        <p:txBody>
+          <a:bodyPr wrap="square" rtlCol="0">
+            <a:spAutoFit/>
+          </a:bodyPr>
+          <a:lstStyle/>
+          <a:p>
+            <a:pPr algn="ctr"/>
+            <a:r>
+              <a:rPr lang="es-MX" sz="8800" dirty="0" smtClean="0">
+                <a:solidFill>
+                  <a:schemeClr val="bg1"/>
+                </a:solidFill>
+                <a:latin typeface="Futurama" pitchFamily="2" charset="0"/>
+              </a:rPr>
+              <a:t>Repositorios</a:t>
+            </a:r>
+          </a:p>
+          <a:p>
+            <a:pPr algn="ctr"/>
+            <a:r>
+              <a:rPr lang="es-MX" sz="8800" dirty="0" err="1" smtClean="0">
+                <a:solidFill>
+                  <a:schemeClr val="bg1"/>
+                </a:solidFill>
+                <a:latin typeface="Futurama" pitchFamily="2" charset="0"/>
+              </a:rPr>
+              <a:t>GitHub</a:t>
+            </a:r>
+            <a:endParaRPr lang="es-VE" sz="8800" dirty="0">
+              <a:solidFill>
+                <a:schemeClr val="bg1"/>
+              </a:solidFill>
+              <a:latin typeface="Futurama" pitchFamily="2" charset="0"/>
+            </a:endParaRPr>
+          </a:p>
+        </p:txBody>
+      </p:sp>
+    </p:spTree>
+    <p:extLst>
+      <p:ext uri="{BB962C8B-B14F-4D97-AF65-F5344CB8AC3E}">
+        <p14:creationId xmlns:p14="http://schemas.microsoft.com/office/powerpoint/2010/main" val="1435904573"/>
+      </p:ext>
+    </p:extLst>
+  </p:cSld>
+  <p:clrMapOvr>
+    <a:masterClrMapping/>
+  </p:clrMapOvr>
+  <p:timing>
+    <p:tnLst>
+      <p:par>
+        <p:cTn id="1" dur="indefinite" restart="never" nodeType="tmRoot"/>
+      </p:par>
+    </p:tnLst>
+  </p:timing>
+</p:sld>
+</file>
+
+<file path=ppt/slides/slide12.xml><?xml version="1.0" encoding="utf-8"?>
+<p:sld xmlns:a="http://schemas.openxmlformats.org/drawingml/2006/main" xmlns:r="http://schemas.openxmlformats.org/officeDocument/2006/relationships" xmlns:p="http://schemas.openxmlformats.org/presentationml/2006/main">
+  <p:cSld>
+    <p:bg>
+      <p:bgPr>
+        <a:gradFill>
+          <a:gsLst>
+            <a:gs pos="0">
+              <a:srgbClr val="990033">
+                <a:lumMod val="81000"/>
+              </a:srgbClr>
+            </a:gs>
+            <a:gs pos="84000">
+              <a:schemeClr val="accent4">
+                <a:lumMod val="25000"/>
+              </a:schemeClr>
+            </a:gs>
+          </a:gsLst>
+          <a:lin ang="19200000" scaled="0"/>
+        </a:gradFill>
+        <a:effectLst/>
+      </p:bgPr>
+    </p:bg>
+    <p:spTree>
+      <p:nvGrpSpPr>
+        <p:cNvPr id="1" name=""/>
+        <p:cNvGrpSpPr/>
+        <p:nvPr/>
+      </p:nvGrpSpPr>
+      <p:grpSpPr>
+        <a:xfrm>
+          <a:off x="0" y="0"/>
+          <a:ext cx="0" cy="0"/>
+          <a:chOff x="0" y="0"/>
+          <a:chExt cx="0" cy="0"/>
+        </a:xfrm>
+      </p:grpSpPr>
+      <p:sp>
+        <p:nvSpPr>
+          <p:cNvPr id="2" name="1 CuadroTexto"/>
+          <p:cNvSpPr txBox="1"/>
+          <p:nvPr/>
+        </p:nvSpPr>
+        <p:spPr>
+          <a:xfrm>
+            <a:off x="539552" y="565229"/>
+            <a:ext cx="3384376" cy="830997"/>
+          </a:xfrm>
+          <a:prstGeom prst="rect">
+            <a:avLst/>
+          </a:prstGeom>
+          <a:noFill/>
+        </p:spPr>
+        <p:txBody>
+          <a:bodyPr wrap="square" rtlCol="0">
+            <a:spAutoFit/>
+          </a:bodyPr>
+          <a:lstStyle/>
+          <a:p>
+            <a:pPr algn="ctr"/>
+            <a:r>
+              <a:rPr lang="es-MX" sz="4800" dirty="0" smtClean="0">
+                <a:solidFill>
+                  <a:schemeClr val="bg1"/>
+                </a:solidFill>
+                <a:latin typeface="Futurama" pitchFamily="2" charset="0"/>
+              </a:rPr>
+              <a:t>Linux</a:t>
+            </a:r>
+            <a:endParaRPr lang="es-VE" sz="4800" dirty="0">
+              <a:solidFill>
+                <a:schemeClr val="bg1"/>
+              </a:solidFill>
+              <a:latin typeface="Futurama" pitchFamily="2" charset="0"/>
+            </a:endParaRPr>
+          </a:p>
+        </p:txBody>
+      </p:sp>
+      <p:pic>
+        <p:nvPicPr>
+          <p:cNvPr id="1026" name="Picture 2" descr="C:\Users\Leonardo\Downloads\pngwing.com (1).png"/>
+          <p:cNvPicPr>
+            <a:picLocks noChangeAspect="1" noChangeArrowheads="1"/>
+          </p:cNvPicPr>
+          <p:nvPr/>
+        </p:nvPicPr>
+        <p:blipFill>
+          <a:blip r:embed="rId2" cstate="print">
+            <a:extLst>
+              <a:ext uri="{28A0092B-C50C-407E-A947-70E740481C1C}">
+                <a14:useLocalDpi xmlns:a14="http://schemas.microsoft.com/office/drawing/2010/main" val="0"/>
+              </a:ext>
+            </a:extLst>
+          </a:blip>
+          <a:srcRect/>
+          <a:stretch>
+            <a:fillRect/>
+          </a:stretch>
+        </p:blipFill>
+        <p:spPr bwMode="auto">
+          <a:xfrm>
+            <a:off x="3131840" y="1694965"/>
+            <a:ext cx="2191826" cy="1104881"/>
+          </a:xfrm>
+          <a:prstGeom prst="rect">
+            <a:avLst/>
+          </a:prstGeom>
+          <a:noFill/>
+          <a:extLst>
+            <a:ext uri="{909E8E84-426E-40DD-AFC4-6F175D3DCCD1}">
+              <a14:hiddenFill xmlns:a14="http://schemas.microsoft.com/office/drawing/2010/main">
+                <a:solidFill>
+                  <a:srgbClr val="FFFFFF"/>
+                </a:solidFill>
+              </a14:hiddenFill>
+            </a:ext>
+          </a:extLst>
+        </p:spPr>
+      </p:pic>
+      <p:pic>
+        <p:nvPicPr>
+          <p:cNvPr id="1027" name="Picture 3" descr="C:\Users\Leonardo\Downloads\pngwing.com.png"/>
+          <p:cNvPicPr>
+            <a:picLocks noChangeAspect="1" noChangeArrowheads="1"/>
+          </p:cNvPicPr>
+          <p:nvPr/>
+        </p:nvPicPr>
+        <p:blipFill>
+          <a:blip r:embed="rId3" cstate="print">
+            <a:extLst>
+              <a:ext uri="{28A0092B-C50C-407E-A947-70E740481C1C}">
+                <a14:useLocalDpi xmlns:a14="http://schemas.microsoft.com/office/drawing/2010/main" val="0"/>
+              </a:ext>
+            </a:extLst>
+          </a:blip>
+          <a:srcRect/>
+          <a:stretch>
+            <a:fillRect/>
+          </a:stretch>
+        </p:blipFill>
+        <p:spPr bwMode="auto">
+          <a:xfrm>
+            <a:off x="5868144" y="360384"/>
+            <a:ext cx="2217981" cy="2572859"/>
+          </a:xfrm>
+          <a:prstGeom prst="rect">
+            <a:avLst/>
+          </a:prstGeom>
+          <a:noFill/>
+          <a:extLst>
+            <a:ext uri="{909E8E84-426E-40DD-AFC4-6F175D3DCCD1}">
+              <a14:hiddenFill xmlns:a14="http://schemas.microsoft.com/office/drawing/2010/main">
+                <a:solidFill>
+                  <a:srgbClr val="FFFFFF"/>
+                </a:solidFill>
+              </a14:hiddenFill>
+            </a:ext>
+          </a:extLst>
+        </p:spPr>
+      </p:pic>
+      <p:pic>
+        <p:nvPicPr>
+          <p:cNvPr id="1028" name="Picture 4" descr="C:\Users\Leonardo\Downloads\pngwing.com (2).png"/>
+          <p:cNvPicPr>
+            <a:picLocks noChangeAspect="1" noChangeArrowheads="1"/>
+          </p:cNvPicPr>
+          <p:nvPr/>
+        </p:nvPicPr>
+        <p:blipFill>
+          <a:blip r:embed="rId4" cstate="print">
+            <a:extLst>
+              <a:ext uri="{28A0092B-C50C-407E-A947-70E740481C1C}">
+                <a14:useLocalDpi xmlns:a14="http://schemas.microsoft.com/office/drawing/2010/main" val="0"/>
+              </a:ext>
+            </a:extLst>
+          </a:blip>
+          <a:srcRect/>
+          <a:stretch>
+            <a:fillRect/>
+          </a:stretch>
+        </p:blipFill>
+        <p:spPr bwMode="auto">
+          <a:xfrm>
+            <a:off x="1239782" y="1628800"/>
+            <a:ext cx="1412737" cy="1171046"/>
+          </a:xfrm>
+          <a:prstGeom prst="rect">
+            <a:avLst/>
+          </a:prstGeom>
+          <a:noFill/>
+          <a:extLst>
+            <a:ext uri="{909E8E84-426E-40DD-AFC4-6F175D3DCCD1}">
+              <a14:hiddenFill xmlns:a14="http://schemas.microsoft.com/office/drawing/2010/main">
+                <a:solidFill>
+                  <a:srgbClr val="FFFFFF"/>
+                </a:solidFill>
+              </a14:hiddenFill>
+            </a:ext>
+          </a:extLst>
+        </p:spPr>
+      </p:pic>
+      <p:pic>
+        <p:nvPicPr>
+          <p:cNvPr id="1029" name="Picture 5"/>
+          <p:cNvPicPr>
+            <a:picLocks noChangeAspect="1" noChangeArrowheads="1"/>
+          </p:cNvPicPr>
+          <p:nvPr/>
+        </p:nvPicPr>
+        <p:blipFill>
+          <a:blip r:embed="rId5">
+            <a:extLst>
+              <a:ext uri="{28A0092B-C50C-407E-A947-70E740481C1C}">
+                <a14:useLocalDpi xmlns:a14="http://schemas.microsoft.com/office/drawing/2010/main" val="0"/>
+              </a:ext>
+            </a:extLst>
+          </a:blip>
+          <a:srcRect/>
+          <a:stretch>
+            <a:fillRect/>
+          </a:stretch>
+        </p:blipFill>
+        <p:spPr bwMode="auto">
+          <a:xfrm>
+            <a:off x="755576" y="3221293"/>
+            <a:ext cx="7762597" cy="3157197"/>
+          </a:xfrm>
+          <a:prstGeom prst="rect">
+            <a:avLst/>
+          </a:prstGeom>
+          <a:noFill/>
+          <a:ln>
+            <a:noFill/>
+          </a:ln>
+          <a:extLst>
+            <a:ext uri="{909E8E84-426E-40DD-AFC4-6F175D3DCCD1}">
+              <a14:hiddenFill xmlns:a14="http://schemas.microsoft.com/office/drawing/2010/main">
+                <a:solidFill>
+                  <a:schemeClr val="accent1"/>
+                </a:solidFill>
+              </a14:hiddenFill>
+            </a:ext>
+            <a:ext uri="{91240B29-F687-4F45-9708-019B960494DF}">
+              <a14:hiddenLine xmlns:a14="http://schemas.microsoft.com/office/drawing/2010/main" w="9525">
+                <a:solidFill>
+                  <a:schemeClr val="tx1"/>
+                </a:solidFill>
+                <a:miter lim="800000"/>
+                <a:headEnd/>
+                <a:tailEnd/>
+              </a14:hiddenLine>
+            </a:ext>
+          </a:extLst>
+        </p:spPr>
+      </p:pic>
+    </p:spTree>
+    <p:extLst>
+      <p:ext uri="{BB962C8B-B14F-4D97-AF65-F5344CB8AC3E}">
+        <p14:creationId xmlns:p14="http://schemas.microsoft.com/office/powerpoint/2010/main" val="2565813537"/>
+      </p:ext>
+    </p:extLst>
+  </p:cSld>
+  <p:clrMapOvr>
+    <a:masterClrMapping/>
+  </p:clrMapOvr>
+  <p:timing>
+    <p:tnLst>
+      <p:par>
+        <p:cTn id="1" dur="indefinite" restart="never" nodeType="tmRoot"/>
+      </p:par>
+    </p:tnLst>
+  </p:timing>
+</p:sld>
+</file>
+
+<file path=ppt/slides/slide13.xml><?xml version="1.0" encoding="utf-8"?>
+<p:sld xmlns:a="http://schemas.openxmlformats.org/drawingml/2006/main" xmlns:r="http://schemas.openxmlformats.org/officeDocument/2006/relationships" xmlns:p="http://schemas.openxmlformats.org/presentationml/2006/main">
+  <p:cSld>
+    <p:bg>
+      <p:bgPr>
+        <a:gradFill>
+          <a:gsLst>
+            <a:gs pos="0">
+              <a:srgbClr val="990033">
+                <a:lumMod val="81000"/>
+              </a:srgbClr>
+            </a:gs>
+            <a:gs pos="84000">
+              <a:schemeClr val="accent4">
+                <a:lumMod val="25000"/>
+              </a:schemeClr>
+            </a:gs>
+          </a:gsLst>
+          <a:lin ang="19200000" scaled="0"/>
+        </a:gradFill>
+        <a:effectLst/>
+      </p:bgPr>
+    </p:bg>
+    <p:spTree>
+      <p:nvGrpSpPr>
+        <p:cNvPr id="1" name=""/>
+        <p:cNvGrpSpPr/>
+        <p:nvPr/>
+      </p:nvGrpSpPr>
+      <p:grpSpPr>
+        <a:xfrm>
+          <a:off x="0" y="0"/>
+          <a:ext cx="0" cy="0"/>
+          <a:chOff x="0" y="0"/>
+          <a:chExt cx="0" cy="0"/>
+        </a:xfrm>
+      </p:grpSpPr>
+      <p:sp>
+        <p:nvSpPr>
+          <p:cNvPr id="2" name="1 CuadroTexto"/>
+          <p:cNvSpPr txBox="1"/>
+          <p:nvPr/>
+        </p:nvSpPr>
+        <p:spPr>
+          <a:xfrm>
+            <a:off x="539552" y="565229"/>
+            <a:ext cx="3384376" cy="830997"/>
+          </a:xfrm>
+          <a:prstGeom prst="rect">
+            <a:avLst/>
+          </a:prstGeom>
+          <a:noFill/>
+        </p:spPr>
+        <p:txBody>
+          <a:bodyPr wrap="square" rtlCol="0">
+            <a:spAutoFit/>
+          </a:bodyPr>
+          <a:lstStyle/>
+          <a:p>
+            <a:pPr algn="ctr"/>
+            <a:r>
+              <a:rPr lang="es-MX" sz="4800" dirty="0" smtClean="0">
+                <a:solidFill>
+                  <a:schemeClr val="bg1"/>
+                </a:solidFill>
+                <a:latin typeface="Futurama" pitchFamily="2" charset="0"/>
+              </a:rPr>
+              <a:t>Meta</a:t>
+            </a:r>
+            <a:endParaRPr lang="es-VE" sz="4800" dirty="0">
+              <a:solidFill>
+                <a:schemeClr val="bg1"/>
+              </a:solidFill>
+              <a:latin typeface="Futurama" pitchFamily="2" charset="0"/>
+            </a:endParaRPr>
+          </a:p>
+        </p:txBody>
+      </p:sp>
+      <p:pic>
+        <p:nvPicPr>
+          <p:cNvPr id="2050" name="Picture 2" descr="C:\Users\Leonardo\Downloads\pngwing.com (3).png"/>
+          <p:cNvPicPr>
+            <a:picLocks noChangeAspect="1" noChangeArrowheads="1"/>
+          </p:cNvPicPr>
+          <p:nvPr/>
+        </p:nvPicPr>
+        <p:blipFill>
+          <a:blip r:embed="rId2" cstate="print">
+            <a:extLst>
+              <a:ext uri="{28A0092B-C50C-407E-A947-70E740481C1C}">
+                <a14:useLocalDpi xmlns:a14="http://schemas.microsoft.com/office/drawing/2010/main" val="0"/>
+              </a:ext>
+            </a:extLst>
+          </a:blip>
+          <a:srcRect/>
+          <a:stretch>
+            <a:fillRect/>
+          </a:stretch>
+        </p:blipFill>
+        <p:spPr bwMode="auto">
+          <a:xfrm>
+            <a:off x="3707904" y="-51232"/>
+            <a:ext cx="5052168" cy="2841844"/>
+          </a:xfrm>
+          <a:prstGeom prst="rect">
+            <a:avLst/>
+          </a:prstGeom>
+          <a:noFill/>
+          <a:extLst>
+            <a:ext uri="{909E8E84-426E-40DD-AFC4-6F175D3DCCD1}">
+              <a14:hiddenFill xmlns:a14="http://schemas.microsoft.com/office/drawing/2010/main">
+                <a:solidFill>
+                  <a:srgbClr val="FFFFFF"/>
+                </a:solidFill>
+              </a14:hiddenFill>
+            </a:ext>
+          </a:extLst>
+        </p:spPr>
+      </p:pic>
+      <p:pic>
+        <p:nvPicPr>
+          <p:cNvPr id="2051" name="Picture 3" descr="C:\Users\Leonardo\Downloads\pngwing.com (5).png"/>
+          <p:cNvPicPr>
+            <a:picLocks noChangeAspect="1" noChangeArrowheads="1"/>
+          </p:cNvPicPr>
+          <p:nvPr/>
+        </p:nvPicPr>
+        <p:blipFill>
+          <a:blip r:embed="rId3" cstate="print">
+            <a:extLst>
+              <a:ext uri="{28A0092B-C50C-407E-A947-70E740481C1C}">
+                <a14:useLocalDpi xmlns:a14="http://schemas.microsoft.com/office/drawing/2010/main" val="0"/>
+              </a:ext>
+            </a:extLst>
+          </a:blip>
+          <a:srcRect/>
+          <a:stretch>
+            <a:fillRect/>
+          </a:stretch>
+        </p:blipFill>
+        <p:spPr bwMode="auto">
+          <a:xfrm>
+            <a:off x="1588414" y="1592796"/>
+            <a:ext cx="936811" cy="936811"/>
+          </a:xfrm>
+          <a:prstGeom prst="rect">
+            <a:avLst/>
+          </a:prstGeom>
+          <a:noFill/>
+          <a:extLst>
+            <a:ext uri="{909E8E84-426E-40DD-AFC4-6F175D3DCCD1}">
+              <a14:hiddenFill xmlns:a14="http://schemas.microsoft.com/office/drawing/2010/main">
+                <a:solidFill>
+                  <a:srgbClr val="FFFFFF"/>
+                </a:solidFill>
+              </a14:hiddenFill>
+            </a:ext>
+          </a:extLst>
+        </p:spPr>
+      </p:pic>
+      <p:pic>
+        <p:nvPicPr>
+          <p:cNvPr id="2052" name="Picture 4" descr="C:\Users\Leonardo\Downloads\pngwing.com (4).png"/>
+          <p:cNvPicPr>
+            <a:picLocks noChangeAspect="1" noChangeArrowheads="1"/>
+          </p:cNvPicPr>
+          <p:nvPr/>
+        </p:nvPicPr>
+        <p:blipFill>
+          <a:blip r:embed="rId4" cstate="print">
+            <a:extLst>
+              <a:ext uri="{28A0092B-C50C-407E-A947-70E740481C1C}">
+                <a14:useLocalDpi xmlns:a14="http://schemas.microsoft.com/office/drawing/2010/main" val="0"/>
+              </a:ext>
+            </a:extLst>
+          </a:blip>
+          <a:srcRect/>
+          <a:stretch>
+            <a:fillRect/>
+          </a:stretch>
+        </p:blipFill>
+        <p:spPr bwMode="auto">
+          <a:xfrm>
+            <a:off x="2987117" y="1592796"/>
+            <a:ext cx="936811" cy="936811"/>
+          </a:xfrm>
+          <a:prstGeom prst="rect">
+            <a:avLst/>
+          </a:prstGeom>
+          <a:noFill/>
+          <a:extLst>
+            <a:ext uri="{909E8E84-426E-40DD-AFC4-6F175D3DCCD1}">
+              <a14:hiddenFill xmlns:a14="http://schemas.microsoft.com/office/drawing/2010/main">
+                <a:solidFill>
+                  <a:srgbClr val="FFFFFF"/>
+                </a:solidFill>
+              </a14:hiddenFill>
+            </a:ext>
+          </a:extLst>
+        </p:spPr>
+      </p:pic>
+      <p:pic>
+        <p:nvPicPr>
+          <p:cNvPr id="2053" name="Picture 5"/>
+          <p:cNvPicPr>
+            <a:picLocks noChangeAspect="1" noChangeArrowheads="1"/>
+          </p:cNvPicPr>
+          <p:nvPr/>
+        </p:nvPicPr>
+        <p:blipFill>
+          <a:blip r:embed="rId5">
+            <a:extLst>
+              <a:ext uri="{28A0092B-C50C-407E-A947-70E740481C1C}">
+                <a14:useLocalDpi xmlns:a14="http://schemas.microsoft.com/office/drawing/2010/main" val="0"/>
+              </a:ext>
+            </a:extLst>
+          </a:blip>
+          <a:srcRect/>
+          <a:stretch>
+            <a:fillRect/>
+          </a:stretch>
+        </p:blipFill>
+        <p:spPr bwMode="auto">
+          <a:xfrm>
+            <a:off x="539552" y="2816932"/>
+            <a:ext cx="8031196" cy="3830350"/>
+          </a:xfrm>
+          <a:prstGeom prst="rect">
+            <a:avLst/>
+          </a:prstGeom>
+          <a:noFill/>
+          <a:ln>
+            <a:noFill/>
+          </a:ln>
+          <a:extLst>
+            <a:ext uri="{909E8E84-426E-40DD-AFC4-6F175D3DCCD1}">
+              <a14:hiddenFill xmlns:a14="http://schemas.microsoft.com/office/drawing/2010/main">
+                <a:solidFill>
+                  <a:schemeClr val="accent1"/>
+                </a:solidFill>
+              </a14:hiddenFill>
+            </a:ext>
+            <a:ext uri="{91240B29-F687-4F45-9708-019B960494DF}">
+              <a14:hiddenLine xmlns:a14="http://schemas.microsoft.com/office/drawing/2010/main" w="9525">
+                <a:solidFill>
+                  <a:schemeClr val="tx1"/>
+                </a:solidFill>
+                <a:miter lim="800000"/>
+                <a:headEnd/>
+                <a:tailEnd/>
+              </a14:hiddenLine>
+            </a:ext>
+          </a:extLst>
+        </p:spPr>
+      </p:pic>
+    </p:spTree>
+    <p:extLst>
+      <p:ext uri="{BB962C8B-B14F-4D97-AF65-F5344CB8AC3E}">
+        <p14:creationId xmlns:p14="http://schemas.microsoft.com/office/powerpoint/2010/main" val="811222875"/>
+      </p:ext>
+    </p:extLst>
+  </p:cSld>
+  <p:clrMapOvr>
+    <a:masterClrMapping/>
+  </p:clrMapOvr>
+  <p:timing>
+    <p:tnLst>
+      <p:par>
+        <p:cTn id="1" dur="indefinite" restart="never" nodeType="tmRoot"/>
+      </p:par>
+    </p:tnLst>
+  </p:timing>
+</p:sld>
+</file>
+
+<file path=ppt/slides/slide14.xml><?xml version="1.0" encoding="utf-8"?>
+<p:sld xmlns:a="http://schemas.openxmlformats.org/drawingml/2006/main" xmlns:r="http://schemas.openxmlformats.org/officeDocument/2006/relationships" xmlns:p="http://schemas.openxmlformats.org/presentationml/2006/main">
+  <p:cSld>
+    <p:bg>
+      <p:bgPr>
+        <a:gradFill>
+          <a:gsLst>
+            <a:gs pos="0">
+              <a:srgbClr val="990033">
+                <a:lumMod val="81000"/>
+              </a:srgbClr>
+            </a:gs>
+            <a:gs pos="84000">
+              <a:schemeClr val="accent4">
+                <a:lumMod val="25000"/>
+              </a:schemeClr>
+            </a:gs>
+          </a:gsLst>
+          <a:lin ang="19200000" scaled="0"/>
+        </a:gradFill>
+        <a:effectLst/>
+      </p:bgPr>
+    </p:bg>
+    <p:spTree>
+      <p:nvGrpSpPr>
+        <p:cNvPr id="1" name=""/>
+        <p:cNvGrpSpPr/>
+        <p:nvPr/>
+      </p:nvGrpSpPr>
+      <p:grpSpPr>
+        <a:xfrm>
+          <a:off x="0" y="0"/>
+          <a:ext cx="0" cy="0"/>
+          <a:chOff x="0" y="0"/>
+          <a:chExt cx="0" cy="0"/>
+        </a:xfrm>
+      </p:grpSpPr>
+      <p:sp>
+        <p:nvSpPr>
+          <p:cNvPr id="2" name="1 CuadroTexto"/>
+          <p:cNvSpPr txBox="1"/>
+          <p:nvPr/>
+        </p:nvSpPr>
+        <p:spPr>
+          <a:xfrm>
+            <a:off x="539552" y="565229"/>
+            <a:ext cx="3384376" cy="830997"/>
+          </a:xfrm>
+          <a:prstGeom prst="rect">
+            <a:avLst/>
+          </a:prstGeom>
+          <a:noFill/>
+        </p:spPr>
+        <p:txBody>
+          <a:bodyPr wrap="square" rtlCol="0">
+            <a:spAutoFit/>
+          </a:bodyPr>
+          <a:lstStyle/>
+          <a:p>
+            <a:pPr algn="ctr"/>
+            <a:r>
+              <a:rPr lang="es-MX" sz="4800" dirty="0" smtClean="0">
+                <a:solidFill>
+                  <a:schemeClr val="bg1"/>
+                </a:solidFill>
+                <a:latin typeface="Futurama" pitchFamily="2" charset="0"/>
+              </a:rPr>
+              <a:t>Google</a:t>
+            </a:r>
+            <a:endParaRPr lang="es-VE" sz="4800" dirty="0">
+              <a:solidFill>
+                <a:schemeClr val="bg1"/>
+              </a:solidFill>
+              <a:latin typeface="Futurama" pitchFamily="2" charset="0"/>
+            </a:endParaRPr>
+          </a:p>
+        </p:txBody>
+      </p:sp>
+      <p:pic>
+        <p:nvPicPr>
+          <p:cNvPr id="3074" name="Picture 2" descr="C:\Users\Leonardo\Downloads\pngwing.com.png"/>
+          <p:cNvPicPr>
+            <a:picLocks noChangeAspect="1" noChangeArrowheads="1"/>
+          </p:cNvPicPr>
+          <p:nvPr/>
+        </p:nvPicPr>
+        <p:blipFill>
+          <a:blip r:embed="rId2" cstate="print">
+            <a:extLst>
+              <a:ext uri="{28A0092B-C50C-407E-A947-70E740481C1C}">
+                <a14:useLocalDpi xmlns:a14="http://schemas.microsoft.com/office/drawing/2010/main" val="0"/>
+              </a:ext>
+            </a:extLst>
+          </a:blip>
+          <a:srcRect/>
+          <a:stretch>
+            <a:fillRect/>
+          </a:stretch>
+        </p:blipFill>
+        <p:spPr bwMode="auto">
+          <a:xfrm>
+            <a:off x="5652120" y="234819"/>
+            <a:ext cx="2417624" cy="2420576"/>
+          </a:xfrm>
+          <a:prstGeom prst="rect">
+            <a:avLst/>
+          </a:prstGeom>
+          <a:noFill/>
+          <a:extLst>
+            <a:ext uri="{909E8E84-426E-40DD-AFC4-6F175D3DCCD1}">
+              <a14:hiddenFill xmlns:a14="http://schemas.microsoft.com/office/drawing/2010/main">
+                <a:solidFill>
+                  <a:srgbClr val="FFFFFF"/>
+                </a:solidFill>
+              </a14:hiddenFill>
+            </a:ext>
+          </a:extLst>
+        </p:spPr>
+      </p:pic>
+      <p:pic>
+        <p:nvPicPr>
+          <p:cNvPr id="3075" name="Picture 3" descr="C:\Users\Leonardo\Downloads\pngwing.com (1).png"/>
+          <p:cNvPicPr>
+            <a:picLocks noChangeAspect="1" noChangeArrowheads="1"/>
+          </p:cNvPicPr>
+          <p:nvPr/>
+        </p:nvPicPr>
+        <p:blipFill>
+          <a:blip r:embed="rId3" cstate="print">
+            <a:extLst>
+              <a:ext uri="{28A0092B-C50C-407E-A947-70E740481C1C}">
+                <a14:useLocalDpi xmlns:a14="http://schemas.microsoft.com/office/drawing/2010/main" val="0"/>
+              </a:ext>
+            </a:extLst>
+          </a:blip>
+          <a:srcRect/>
+          <a:stretch>
+            <a:fillRect/>
+          </a:stretch>
+        </p:blipFill>
+        <p:spPr bwMode="auto">
+          <a:xfrm flipH="1">
+            <a:off x="3189101" y="999963"/>
+            <a:ext cx="1469654" cy="1469654"/>
+          </a:xfrm>
+          <a:prstGeom prst="rect">
+            <a:avLst/>
+          </a:prstGeom>
+          <a:noFill/>
+          <a:extLst>
+            <a:ext uri="{909E8E84-426E-40DD-AFC4-6F175D3DCCD1}">
+              <a14:hiddenFill xmlns:a14="http://schemas.microsoft.com/office/drawing/2010/main">
+                <a:solidFill>
+                  <a:srgbClr val="FFFFFF"/>
+                </a:solidFill>
+              </a14:hiddenFill>
+            </a:ext>
+          </a:extLst>
+        </p:spPr>
+      </p:pic>
+      <p:pic>
+        <p:nvPicPr>
+          <p:cNvPr id="3076" name="Picture 4"/>
+          <p:cNvPicPr>
+            <a:picLocks noChangeAspect="1" noChangeArrowheads="1"/>
+          </p:cNvPicPr>
+          <p:nvPr/>
+        </p:nvPicPr>
+        <p:blipFill>
+          <a:blip r:embed="rId4">
+            <a:extLst>
+              <a:ext uri="{28A0092B-C50C-407E-A947-70E740481C1C}">
+                <a14:useLocalDpi xmlns:a14="http://schemas.microsoft.com/office/drawing/2010/main" val="0"/>
+              </a:ext>
+            </a:extLst>
+          </a:blip>
+          <a:srcRect/>
+          <a:stretch>
+            <a:fillRect/>
+          </a:stretch>
+        </p:blipFill>
+        <p:spPr bwMode="auto">
+          <a:xfrm>
+            <a:off x="778975" y="2780928"/>
+            <a:ext cx="7759560" cy="3838317"/>
+          </a:xfrm>
+          <a:prstGeom prst="rect">
+            <a:avLst/>
+          </a:prstGeom>
+          <a:noFill/>
+          <a:ln>
+            <a:noFill/>
+          </a:ln>
+          <a:extLst>
+            <a:ext uri="{909E8E84-426E-40DD-AFC4-6F175D3DCCD1}">
+              <a14:hiddenFill xmlns:a14="http://schemas.microsoft.com/office/drawing/2010/main">
+                <a:solidFill>
+                  <a:schemeClr val="accent1"/>
+                </a:solidFill>
+              </a14:hiddenFill>
+            </a:ext>
+            <a:ext uri="{91240B29-F687-4F45-9708-019B960494DF}">
+              <a14:hiddenLine xmlns:a14="http://schemas.microsoft.com/office/drawing/2010/main" w="9525">
+                <a:solidFill>
+                  <a:schemeClr val="tx1"/>
+                </a:solidFill>
+                <a:miter lim="800000"/>
+                <a:headEnd/>
+                <a:tailEnd/>
+              </a14:hiddenLine>
+            </a:ext>
+          </a:extLst>
+        </p:spPr>
+      </p:pic>
+    </p:spTree>
+    <p:extLst>
+      <p:ext uri="{BB962C8B-B14F-4D97-AF65-F5344CB8AC3E}">
+        <p14:creationId xmlns:p14="http://schemas.microsoft.com/office/powerpoint/2010/main" val="2410921887"/>
+      </p:ext>
+    </p:extLst>
+  </p:cSld>
+  <p:clrMapOvr>
+    <a:masterClrMapping/>
+  </p:clrMapOvr>
+  <p:timing>
+    <p:tnLst>
+      <p:par>
+        <p:cTn id="1" dur="indefinite" restart="never" nodeType="tmRoot"/>
+      </p:par>
+    </p:tnLst>
+  </p:timing>
+</p:sld>
+</file>
+
+<file path=ppt/slides/slide15.xml><?xml version="1.0" encoding="utf-8"?>
+<p:sld xmlns:a="http://schemas.openxmlformats.org/drawingml/2006/main" xmlns:r="http://schemas.openxmlformats.org/officeDocument/2006/relationships" xmlns:p="http://schemas.openxmlformats.org/presentationml/2006/main">
+  <p:cSld>
+    <p:bg>
+      <p:bgPr>
+        <a:gradFill>
+          <a:gsLst>
+            <a:gs pos="0">
+              <a:srgbClr val="990033">
+                <a:lumMod val="81000"/>
+              </a:srgbClr>
+            </a:gs>
+            <a:gs pos="84000">
+              <a:schemeClr val="accent4">
+                <a:lumMod val="25000"/>
+              </a:schemeClr>
+            </a:gs>
+          </a:gsLst>
+          <a:lin ang="19200000" scaled="0"/>
+        </a:gradFill>
+        <a:effectLst/>
+      </p:bgPr>
+    </p:bg>
+    <p:spTree>
+      <p:nvGrpSpPr>
+        <p:cNvPr id="1" name=""/>
+        <p:cNvGrpSpPr/>
+        <p:nvPr/>
+      </p:nvGrpSpPr>
+      <p:grpSpPr>
+        <a:xfrm>
+          <a:off x="0" y="0"/>
+          <a:ext cx="0" cy="0"/>
+          <a:chOff x="0" y="0"/>
+          <a:chExt cx="0" cy="0"/>
+        </a:xfrm>
+      </p:grpSpPr>
+      <p:sp>
+        <p:nvSpPr>
+          <p:cNvPr id="2" name="1 CuadroTexto"/>
+          <p:cNvSpPr txBox="1"/>
+          <p:nvPr/>
+        </p:nvSpPr>
+        <p:spPr>
+          <a:xfrm>
+            <a:off x="1403648" y="476672"/>
+            <a:ext cx="6559381" cy="1446550"/>
+          </a:xfrm>
+          <a:prstGeom prst="rect">
+            <a:avLst/>
+          </a:prstGeom>
+          <a:noFill/>
+        </p:spPr>
+        <p:txBody>
+          <a:bodyPr wrap="square" rtlCol="0">
+            <a:spAutoFit/>
+          </a:bodyPr>
+          <a:lstStyle/>
+          <a:p>
+            <a:pPr algn="ctr"/>
+            <a:r>
+              <a:rPr lang="es-MX" sz="8800" dirty="0" err="1" smtClean="0">
+                <a:solidFill>
+                  <a:schemeClr val="bg1"/>
+                </a:solidFill>
+                <a:latin typeface="Futurama" pitchFamily="2" charset="0"/>
+              </a:rPr>
+              <a:t>GitHub</a:t>
+            </a:r>
+            <a:r>
+              <a:rPr lang="es-MX" sz="8800" dirty="0" smtClean="0">
+                <a:solidFill>
+                  <a:schemeClr val="bg1"/>
+                </a:solidFill>
+                <a:latin typeface="Futurama" pitchFamily="2" charset="0"/>
+              </a:rPr>
+              <a:t> vs </a:t>
+            </a:r>
+            <a:r>
+              <a:rPr lang="es-MX" sz="8800" dirty="0" err="1" smtClean="0">
+                <a:solidFill>
+                  <a:schemeClr val="bg1"/>
+                </a:solidFill>
+                <a:latin typeface="Futurama" pitchFamily="2" charset="0"/>
+              </a:rPr>
+              <a:t>GitLab</a:t>
+            </a:r>
+            <a:endParaRPr lang="es-VE" sz="8800" dirty="0">
+              <a:solidFill>
+                <a:schemeClr val="bg1"/>
+              </a:solidFill>
+              <a:latin typeface="Futurama" pitchFamily="2" charset="0"/>
+            </a:endParaRPr>
+          </a:p>
+        </p:txBody>
+      </p:sp>
+      <p:pic>
+        <p:nvPicPr>
+          <p:cNvPr id="4098" name="Picture 2" descr="C:\Users\Leonardo\Downloads\pngwing.com (3).png"/>
+          <p:cNvPicPr>
+            <a:picLocks noChangeAspect="1" noChangeArrowheads="1"/>
+          </p:cNvPicPr>
+          <p:nvPr/>
+        </p:nvPicPr>
+        <p:blipFill>
+          <a:blip r:embed="rId2" cstate="print">
+            <a:extLst>
+              <a:ext uri="{28A0092B-C50C-407E-A947-70E740481C1C}">
+                <a14:useLocalDpi xmlns:a14="http://schemas.microsoft.com/office/drawing/2010/main" val="0"/>
+              </a:ext>
+            </a:extLst>
+          </a:blip>
+          <a:srcRect/>
+          <a:stretch>
+            <a:fillRect/>
+          </a:stretch>
+        </p:blipFill>
+        <p:spPr bwMode="auto">
+          <a:xfrm>
+            <a:off x="4721567" y="2279526"/>
+            <a:ext cx="3450833" cy="3450833"/>
+          </a:xfrm>
+          <a:prstGeom prst="rect">
+            <a:avLst/>
+          </a:prstGeom>
+          <a:noFill/>
+          <a:extLst>
+            <a:ext uri="{909E8E84-426E-40DD-AFC4-6F175D3DCCD1}">
+              <a14:hiddenFill xmlns:a14="http://schemas.microsoft.com/office/drawing/2010/main">
+                <a:solidFill>
+                  <a:srgbClr val="FFFFFF"/>
+                </a:solidFill>
+              </a14:hiddenFill>
+            </a:ext>
+          </a:extLst>
+        </p:spPr>
+      </p:pic>
+      <p:pic>
+        <p:nvPicPr>
+          <p:cNvPr id="4099" name="Picture 3" descr="C:\Users\Leonardo\Downloads\pngwing.com (2).png"/>
+          <p:cNvPicPr>
+            <a:picLocks noChangeAspect="1" noChangeArrowheads="1"/>
+          </p:cNvPicPr>
+          <p:nvPr/>
+        </p:nvPicPr>
+        <p:blipFill>
+          <a:blip r:embed="rId3" cstate="print">
+            <a:extLst>
+              <a:ext uri="{28A0092B-C50C-407E-A947-70E740481C1C}">
+                <a14:useLocalDpi xmlns:a14="http://schemas.microsoft.com/office/drawing/2010/main" val="0"/>
+              </a:ext>
+            </a:extLst>
+          </a:blip>
+          <a:srcRect/>
+          <a:stretch>
+            <a:fillRect/>
+          </a:stretch>
+        </p:blipFill>
+        <p:spPr bwMode="auto">
+          <a:xfrm>
+            <a:off x="1305099" y="2520360"/>
+            <a:ext cx="2990602" cy="2916028"/>
+          </a:xfrm>
+          <a:prstGeom prst="rect">
+            <a:avLst/>
+          </a:prstGeom>
+          <a:noFill/>
+          <a:extLst>
+            <a:ext uri="{909E8E84-426E-40DD-AFC4-6F175D3DCCD1}">
+              <a14:hiddenFill xmlns:a14="http://schemas.microsoft.com/office/drawing/2010/main">
+                <a:solidFill>
+                  <a:srgbClr val="FFFFFF"/>
+                </a:solidFill>
+              </a14:hiddenFill>
+            </a:ext>
+          </a:extLst>
+        </p:spPr>
+      </p:pic>
+    </p:spTree>
+    <p:extLst>
+      <p:ext uri="{BB962C8B-B14F-4D97-AF65-F5344CB8AC3E}">
+        <p14:creationId xmlns:p14="http://schemas.microsoft.com/office/powerpoint/2010/main" val="4245539046"/>
       </p:ext>
     </p:extLst>
   </p:cSld>

--- a/contenido_curso/Programación Web - Día 2.pptx
+++ b/contenido_curso/Programación Web - Día 2.pptx
@@ -5,24 +5,19 @@
     <p:sldMasterId id="2147483648" r:id="rId1"/>
   </p:sldMasterIdLst>
   <p:notesMasterIdLst>
-    <p:notesMasterId r:id="rId17"/>
+    <p:notesMasterId r:id="rId12"/>
   </p:notesMasterIdLst>
   <p:sldIdLst>
     <p:sldId id="259" r:id="rId2"/>
     <p:sldId id="260" r:id="rId3"/>
     <p:sldId id="267" r:id="rId4"/>
     <p:sldId id="289" r:id="rId5"/>
-    <p:sldId id="261" r:id="rId6"/>
-    <p:sldId id="290" r:id="rId7"/>
-    <p:sldId id="291" r:id="rId8"/>
-    <p:sldId id="292" r:id="rId9"/>
-    <p:sldId id="293" r:id="rId10"/>
-    <p:sldId id="294" r:id="rId11"/>
-    <p:sldId id="295" r:id="rId12"/>
-    <p:sldId id="296" r:id="rId13"/>
-    <p:sldId id="297" r:id="rId14"/>
-    <p:sldId id="298" r:id="rId15"/>
-    <p:sldId id="299" r:id="rId16"/>
+    <p:sldId id="294" r:id="rId6"/>
+    <p:sldId id="295" r:id="rId7"/>
+    <p:sldId id="296" r:id="rId8"/>
+    <p:sldId id="297" r:id="rId9"/>
+    <p:sldId id="298" r:id="rId10"/>
+    <p:sldId id="299" r:id="rId11"/>
   </p:sldIdLst>
   <p:sldSz cx="9144000" cy="6858000" type="screen4x3"/>
   <p:notesSz cx="6858000" cy="9144000"/>
@@ -206,7 +201,7 @@
           <a:p>
             <a:fld id="{831EFE70-F5D3-49F6-8C2B-91E6FE538D8A}" type="datetimeFigureOut">
               <a:rPr lang="es-VE" smtClean="0"/>
-              <a:t>20/4/2023</a:t>
+              <a:t>22/11/2023</a:t>
             </a:fld>
             <a:endParaRPr lang="es-VE"/>
           </a:p>
@@ -655,7 +650,7 @@
           <a:p>
             <a:fld id="{823E8A56-526A-4CC4-96EA-C5813A8209A1}" type="datetimeFigureOut">
               <a:rPr lang="es-VE" smtClean="0"/>
-              <a:t>20/4/2023</a:t>
+              <a:t>22/11/2023</a:t>
             </a:fld>
             <a:endParaRPr lang="es-VE"/>
           </a:p>
@@ -825,7 +820,7 @@
           <a:p>
             <a:fld id="{823E8A56-526A-4CC4-96EA-C5813A8209A1}" type="datetimeFigureOut">
               <a:rPr lang="es-VE" smtClean="0"/>
-              <a:t>20/4/2023</a:t>
+              <a:t>22/11/2023</a:t>
             </a:fld>
             <a:endParaRPr lang="es-VE"/>
           </a:p>
@@ -1005,7 +1000,7 @@
           <a:p>
             <a:fld id="{823E8A56-526A-4CC4-96EA-C5813A8209A1}" type="datetimeFigureOut">
               <a:rPr lang="es-VE" smtClean="0"/>
-              <a:t>20/4/2023</a:t>
+              <a:t>22/11/2023</a:t>
             </a:fld>
             <a:endParaRPr lang="es-VE"/>
           </a:p>
@@ -1175,7 +1170,7 @@
           <a:p>
             <a:fld id="{823E8A56-526A-4CC4-96EA-C5813A8209A1}" type="datetimeFigureOut">
               <a:rPr lang="es-VE" smtClean="0"/>
-              <a:t>20/4/2023</a:t>
+              <a:t>22/11/2023</a:t>
             </a:fld>
             <a:endParaRPr lang="es-VE"/>
           </a:p>
@@ -1421,7 +1416,7 @@
           <a:p>
             <a:fld id="{823E8A56-526A-4CC4-96EA-C5813A8209A1}" type="datetimeFigureOut">
               <a:rPr lang="es-VE" smtClean="0"/>
-              <a:t>20/4/2023</a:t>
+              <a:t>22/11/2023</a:t>
             </a:fld>
             <a:endParaRPr lang="es-VE"/>
           </a:p>
@@ -1709,7 +1704,7 @@
           <a:p>
             <a:fld id="{823E8A56-526A-4CC4-96EA-C5813A8209A1}" type="datetimeFigureOut">
               <a:rPr lang="es-VE" smtClean="0"/>
-              <a:t>20/4/2023</a:t>
+              <a:t>22/11/2023</a:t>
             </a:fld>
             <a:endParaRPr lang="es-VE"/>
           </a:p>
@@ -2131,7 +2126,7 @@
           <a:p>
             <a:fld id="{823E8A56-526A-4CC4-96EA-C5813A8209A1}" type="datetimeFigureOut">
               <a:rPr lang="es-VE" smtClean="0"/>
-              <a:t>20/4/2023</a:t>
+              <a:t>22/11/2023</a:t>
             </a:fld>
             <a:endParaRPr lang="es-VE"/>
           </a:p>
@@ -2249,7 +2244,7 @@
           <a:p>
             <a:fld id="{823E8A56-526A-4CC4-96EA-C5813A8209A1}" type="datetimeFigureOut">
               <a:rPr lang="es-VE" smtClean="0"/>
-              <a:t>20/4/2023</a:t>
+              <a:t>22/11/2023</a:t>
             </a:fld>
             <a:endParaRPr lang="es-VE"/>
           </a:p>
@@ -2344,7 +2339,7 @@
           <a:p>
             <a:fld id="{823E8A56-526A-4CC4-96EA-C5813A8209A1}" type="datetimeFigureOut">
               <a:rPr lang="es-VE" smtClean="0"/>
-              <a:t>20/4/2023</a:t>
+              <a:t>22/11/2023</a:t>
             </a:fld>
             <a:endParaRPr lang="es-VE"/>
           </a:p>
@@ -2621,7 +2616,7 @@
           <a:p>
             <a:fld id="{823E8A56-526A-4CC4-96EA-C5813A8209A1}" type="datetimeFigureOut">
               <a:rPr lang="es-VE" smtClean="0"/>
-              <a:t>20/4/2023</a:t>
+              <a:t>22/11/2023</a:t>
             </a:fld>
             <a:endParaRPr lang="es-VE"/>
           </a:p>
@@ -2874,7 +2869,7 @@
           <a:p>
             <a:fld id="{823E8A56-526A-4CC4-96EA-C5813A8209A1}" type="datetimeFigureOut">
               <a:rPr lang="es-VE" smtClean="0"/>
-              <a:t>20/4/2023</a:t>
+              <a:t>22/11/2023</a:t>
             </a:fld>
             <a:endParaRPr lang="es-VE"/>
           </a:p>
@@ -3087,7 +3082,7 @@
           <a:p>
             <a:fld id="{823E8A56-526A-4CC4-96EA-C5813A8209A1}" type="datetimeFigureOut">
               <a:rPr lang="es-VE" smtClean="0"/>
-              <a:t>20/4/2023</a:t>
+              <a:t>22/11/2023</a:t>
             </a:fld>
             <a:endParaRPr lang="es-VE"/>
           </a:p>
@@ -3657,6 +3652,610 @@
         </p:nvSpPr>
         <p:spPr>
           <a:xfrm>
+            <a:off x="1403648" y="476672"/>
+            <a:ext cx="6559381" cy="1446550"/>
+          </a:xfrm>
+          <a:prstGeom prst="rect">
+            <a:avLst/>
+          </a:prstGeom>
+          <a:noFill/>
+        </p:spPr>
+        <p:txBody>
+          <a:bodyPr wrap="square" rtlCol="0">
+            <a:spAutoFit/>
+          </a:bodyPr>
+          <a:lstStyle/>
+          <a:p>
+            <a:pPr algn="ctr"/>
+            <a:r>
+              <a:rPr lang="es-MX" sz="8800" dirty="0" err="1" smtClean="0">
+                <a:solidFill>
+                  <a:schemeClr val="bg1"/>
+                </a:solidFill>
+                <a:latin typeface="Futurama" pitchFamily="2" charset="0"/>
+              </a:rPr>
+              <a:t>GitHub</a:t>
+            </a:r>
+            <a:r>
+              <a:rPr lang="es-MX" sz="8800" dirty="0" smtClean="0">
+                <a:solidFill>
+                  <a:schemeClr val="bg1"/>
+                </a:solidFill>
+                <a:latin typeface="Futurama" pitchFamily="2" charset="0"/>
+              </a:rPr>
+              <a:t> vs </a:t>
+            </a:r>
+            <a:r>
+              <a:rPr lang="es-MX" sz="8800" dirty="0" err="1" smtClean="0">
+                <a:solidFill>
+                  <a:schemeClr val="bg1"/>
+                </a:solidFill>
+                <a:latin typeface="Futurama" pitchFamily="2" charset="0"/>
+              </a:rPr>
+              <a:t>GitLab</a:t>
+            </a:r>
+            <a:endParaRPr lang="es-VE" sz="8800" dirty="0">
+              <a:solidFill>
+                <a:schemeClr val="bg1"/>
+              </a:solidFill>
+              <a:latin typeface="Futurama" pitchFamily="2" charset="0"/>
+            </a:endParaRPr>
+          </a:p>
+        </p:txBody>
+      </p:sp>
+      <p:pic>
+        <p:nvPicPr>
+          <p:cNvPr id="4098" name="Picture 2" descr="C:\Users\Leonardo\Downloads\pngwing.com (3).png"/>
+          <p:cNvPicPr>
+            <a:picLocks noChangeAspect="1" noChangeArrowheads="1"/>
+          </p:cNvPicPr>
+          <p:nvPr/>
+        </p:nvPicPr>
+        <p:blipFill>
+          <a:blip r:embed="rId2" cstate="print">
+            <a:extLst>
+              <a:ext uri="{28A0092B-C50C-407E-A947-70E740481C1C}">
+                <a14:useLocalDpi xmlns:a14="http://schemas.microsoft.com/office/drawing/2010/main" val="0"/>
+              </a:ext>
+            </a:extLst>
+          </a:blip>
+          <a:srcRect/>
+          <a:stretch>
+            <a:fillRect/>
+          </a:stretch>
+        </p:blipFill>
+        <p:spPr bwMode="auto">
+          <a:xfrm>
+            <a:off x="4721567" y="2279526"/>
+            <a:ext cx="3450833" cy="3450833"/>
+          </a:xfrm>
+          <a:prstGeom prst="rect">
+            <a:avLst/>
+          </a:prstGeom>
+          <a:noFill/>
+          <a:extLst>
+            <a:ext uri="{909E8E84-426E-40DD-AFC4-6F175D3DCCD1}">
+              <a14:hiddenFill xmlns:a14="http://schemas.microsoft.com/office/drawing/2010/main">
+                <a:solidFill>
+                  <a:srgbClr val="FFFFFF"/>
+                </a:solidFill>
+              </a14:hiddenFill>
+            </a:ext>
+          </a:extLst>
+        </p:spPr>
+      </p:pic>
+      <p:pic>
+        <p:nvPicPr>
+          <p:cNvPr id="4099" name="Picture 3" descr="C:\Users\Leonardo\Downloads\pngwing.com (2).png"/>
+          <p:cNvPicPr>
+            <a:picLocks noChangeAspect="1" noChangeArrowheads="1"/>
+          </p:cNvPicPr>
+          <p:nvPr/>
+        </p:nvPicPr>
+        <p:blipFill>
+          <a:blip r:embed="rId3" cstate="print">
+            <a:extLst>
+              <a:ext uri="{28A0092B-C50C-407E-A947-70E740481C1C}">
+                <a14:useLocalDpi xmlns:a14="http://schemas.microsoft.com/office/drawing/2010/main" val="0"/>
+              </a:ext>
+            </a:extLst>
+          </a:blip>
+          <a:srcRect/>
+          <a:stretch>
+            <a:fillRect/>
+          </a:stretch>
+        </p:blipFill>
+        <p:spPr bwMode="auto">
+          <a:xfrm>
+            <a:off x="1305099" y="2520360"/>
+            <a:ext cx="2990602" cy="2916028"/>
+          </a:xfrm>
+          <a:prstGeom prst="rect">
+            <a:avLst/>
+          </a:prstGeom>
+          <a:noFill/>
+          <a:extLst>
+            <a:ext uri="{909E8E84-426E-40DD-AFC4-6F175D3DCCD1}">
+              <a14:hiddenFill xmlns:a14="http://schemas.microsoft.com/office/drawing/2010/main">
+                <a:solidFill>
+                  <a:srgbClr val="FFFFFF"/>
+                </a:solidFill>
+              </a14:hiddenFill>
+            </a:ext>
+          </a:extLst>
+        </p:spPr>
+      </p:pic>
+    </p:spTree>
+    <p:extLst>
+      <p:ext uri="{BB962C8B-B14F-4D97-AF65-F5344CB8AC3E}">
+        <p14:creationId xmlns:p14="http://schemas.microsoft.com/office/powerpoint/2010/main" val="4245539046"/>
+      </p:ext>
+    </p:extLst>
+  </p:cSld>
+  <p:clrMapOvr>
+    <a:masterClrMapping/>
+  </p:clrMapOvr>
+  <p:timing>
+    <p:tnLst>
+      <p:par>
+        <p:cTn id="1" dur="indefinite" restart="never" nodeType="tmRoot"/>
+      </p:par>
+    </p:tnLst>
+  </p:timing>
+</p:sld>
+</file>
+
+<file path=ppt/slides/slide2.xml><?xml version="1.0" encoding="utf-8"?>
+<p:sld xmlns:a="http://schemas.openxmlformats.org/drawingml/2006/main" xmlns:r="http://schemas.openxmlformats.org/officeDocument/2006/relationships" xmlns:p="http://schemas.openxmlformats.org/presentationml/2006/main">
+  <p:cSld>
+    <p:bg>
+      <p:bgPr>
+        <a:gradFill>
+          <a:gsLst>
+            <a:gs pos="0">
+              <a:srgbClr val="990033">
+                <a:lumMod val="81000"/>
+              </a:srgbClr>
+            </a:gs>
+            <a:gs pos="84000">
+              <a:schemeClr val="accent4">
+                <a:lumMod val="25000"/>
+              </a:schemeClr>
+            </a:gs>
+          </a:gsLst>
+          <a:lin ang="19200000" scaled="0"/>
+        </a:gradFill>
+        <a:effectLst/>
+      </p:bgPr>
+    </p:bg>
+    <p:spTree>
+      <p:nvGrpSpPr>
+        <p:cNvPr id="1" name=""/>
+        <p:cNvGrpSpPr/>
+        <p:nvPr/>
+      </p:nvGrpSpPr>
+      <p:grpSpPr>
+        <a:xfrm>
+          <a:off x="0" y="0"/>
+          <a:ext cx="0" cy="0"/>
+          <a:chOff x="0" y="0"/>
+          <a:chExt cx="0" cy="0"/>
+        </a:xfrm>
+      </p:grpSpPr>
+      <p:sp>
+        <p:nvSpPr>
+          <p:cNvPr id="2" name="1 CuadroTexto"/>
+          <p:cNvSpPr txBox="1"/>
+          <p:nvPr/>
+        </p:nvSpPr>
+        <p:spPr>
+          <a:xfrm>
+            <a:off x="854935" y="1351508"/>
+            <a:ext cx="7434131" cy="4154984"/>
+          </a:xfrm>
+          <a:prstGeom prst="rect">
+            <a:avLst/>
+          </a:prstGeom>
+          <a:noFill/>
+        </p:spPr>
+        <p:txBody>
+          <a:bodyPr wrap="square" rtlCol="0">
+            <a:spAutoFit/>
+          </a:bodyPr>
+          <a:lstStyle/>
+          <a:p>
+            <a:pPr algn="ctr"/>
+            <a:r>
+              <a:rPr lang="es-MX" sz="8800" dirty="0" smtClean="0">
+                <a:solidFill>
+                  <a:schemeClr val="bg1"/>
+                </a:solidFill>
+                <a:latin typeface="Futurama" pitchFamily="2" charset="0"/>
+                <a:ea typeface="Futura" panose="02020800000000000000" pitchFamily="18" charset="0"/>
+                <a:cs typeface="Futura" panose="02020800000000000000" pitchFamily="18" charset="0"/>
+              </a:rPr>
+              <a:t>Sistema de control de versiones</a:t>
+            </a:r>
+            <a:endParaRPr lang="es-VE" sz="8800" dirty="0">
+              <a:solidFill>
+                <a:schemeClr val="bg1"/>
+              </a:solidFill>
+              <a:latin typeface="Futurama" pitchFamily="2" charset="0"/>
+              <a:ea typeface="Futura" panose="02020800000000000000" pitchFamily="18" charset="0"/>
+              <a:cs typeface="Futura" panose="02020800000000000000" pitchFamily="18" charset="0"/>
+            </a:endParaRPr>
+          </a:p>
+        </p:txBody>
+      </p:sp>
+    </p:spTree>
+    <p:extLst>
+      <p:ext uri="{BB962C8B-B14F-4D97-AF65-F5344CB8AC3E}">
+        <p14:creationId xmlns:p14="http://schemas.microsoft.com/office/powerpoint/2010/main" val="4107798021"/>
+      </p:ext>
+    </p:extLst>
+  </p:cSld>
+  <p:clrMapOvr>
+    <a:masterClrMapping/>
+  </p:clrMapOvr>
+  <p:timing>
+    <p:tnLst>
+      <p:par>
+        <p:cTn id="1" dur="indefinite" restart="never" nodeType="tmRoot"/>
+      </p:par>
+    </p:tnLst>
+  </p:timing>
+</p:sld>
+</file>
+
+<file path=ppt/slides/slide3.xml><?xml version="1.0" encoding="utf-8"?>
+<p:sld xmlns:a="http://schemas.openxmlformats.org/drawingml/2006/main" xmlns:r="http://schemas.openxmlformats.org/officeDocument/2006/relationships" xmlns:p="http://schemas.openxmlformats.org/presentationml/2006/main">
+  <p:cSld>
+    <p:bg>
+      <p:bgPr>
+        <a:gradFill>
+          <a:gsLst>
+            <a:gs pos="0">
+              <a:srgbClr val="990033">
+                <a:lumMod val="81000"/>
+              </a:srgbClr>
+            </a:gs>
+            <a:gs pos="84000">
+              <a:schemeClr val="accent4">
+                <a:lumMod val="25000"/>
+              </a:schemeClr>
+            </a:gs>
+          </a:gsLst>
+          <a:lin ang="19200000" scaled="0"/>
+        </a:gradFill>
+        <a:effectLst/>
+      </p:bgPr>
+    </p:bg>
+    <p:spTree>
+      <p:nvGrpSpPr>
+        <p:cNvPr id="1" name=""/>
+        <p:cNvGrpSpPr/>
+        <p:nvPr/>
+      </p:nvGrpSpPr>
+      <p:grpSpPr>
+        <a:xfrm>
+          <a:off x="0" y="0"/>
+          <a:ext cx="0" cy="0"/>
+          <a:chOff x="0" y="0"/>
+          <a:chExt cx="0" cy="0"/>
+        </a:xfrm>
+      </p:grpSpPr>
+      <p:sp>
+        <p:nvSpPr>
+          <p:cNvPr id="2" name="1 CuadroTexto"/>
+          <p:cNvSpPr txBox="1"/>
+          <p:nvPr/>
+        </p:nvSpPr>
+        <p:spPr>
+          <a:xfrm>
+            <a:off x="1043608" y="1052736"/>
+            <a:ext cx="1688283" cy="523220"/>
+          </a:xfrm>
+          <a:prstGeom prst="rect">
+            <a:avLst/>
+          </a:prstGeom>
+          <a:noFill/>
+        </p:spPr>
+        <p:txBody>
+          <a:bodyPr wrap="none" rtlCol="0">
+            <a:spAutoFit/>
+          </a:bodyPr>
+          <a:lstStyle/>
+          <a:p>
+            <a:r>
+              <a:rPr lang="es-MX" sz="2800" b="1" dirty="0" smtClean="0">
+                <a:solidFill>
+                  <a:schemeClr val="bg1"/>
+                </a:solidFill>
+                <a:latin typeface="Ubuntu" panose="020B0504030602030204" pitchFamily="34" charset="0"/>
+              </a:rPr>
+              <a:t>¿Qué es?</a:t>
+            </a:r>
+            <a:endParaRPr lang="es-VE" sz="2800" b="1" dirty="0">
+              <a:solidFill>
+                <a:schemeClr val="bg1"/>
+              </a:solidFill>
+              <a:latin typeface="Ubuntu" panose="020B0504030602030204" pitchFamily="34" charset="0"/>
+            </a:endParaRPr>
+          </a:p>
+        </p:txBody>
+      </p:sp>
+      <p:sp>
+        <p:nvSpPr>
+          <p:cNvPr id="11" name="10 CuadroTexto"/>
+          <p:cNvSpPr txBox="1"/>
+          <p:nvPr/>
+        </p:nvSpPr>
+        <p:spPr>
+          <a:xfrm>
+            <a:off x="1042120" y="1800365"/>
+            <a:ext cx="7490320" cy="1323439"/>
+          </a:xfrm>
+          <a:prstGeom prst="rect">
+            <a:avLst/>
+          </a:prstGeom>
+          <a:noFill/>
+        </p:spPr>
+        <p:txBody>
+          <a:bodyPr wrap="square" rtlCol="0">
+            <a:spAutoFit/>
+          </a:bodyPr>
+          <a:lstStyle/>
+          <a:p>
+            <a:r>
+              <a:rPr lang="es-MX" sz="2000" dirty="0" smtClean="0">
+                <a:solidFill>
+                  <a:schemeClr val="bg1"/>
+                </a:solidFill>
+                <a:latin typeface="Ubuntu" panose="020B0504030602030204" pitchFamily="34" charset="0"/>
+              </a:rPr>
+              <a:t>Software versionar nuestro código. Organiza nuestro flujo de trabajo y almacena los cambios que realizamos en nuestro proyectos, dotándonos de completo control en la creación y desarrollo del mismo</a:t>
+            </a:r>
+            <a:endParaRPr lang="es-VE" sz="2000" dirty="0">
+              <a:solidFill>
+                <a:schemeClr val="bg1"/>
+              </a:solidFill>
+              <a:latin typeface="Ubuntu" panose="020B0504030602030204" pitchFamily="34" charset="0"/>
+            </a:endParaRPr>
+          </a:p>
+        </p:txBody>
+      </p:sp>
+      <p:pic>
+        <p:nvPicPr>
+          <p:cNvPr id="1026" name="Picture 2" descr="C:\Users\Leonardo\Downloads\pngwing.com (3).png"/>
+          <p:cNvPicPr>
+            <a:picLocks noChangeAspect="1" noChangeArrowheads="1"/>
+          </p:cNvPicPr>
+          <p:nvPr/>
+        </p:nvPicPr>
+        <p:blipFill>
+          <a:blip r:embed="rId2" cstate="print">
+            <a:extLst>
+              <a:ext uri="{28A0092B-C50C-407E-A947-70E740481C1C}">
+                <a14:useLocalDpi xmlns:a14="http://schemas.microsoft.com/office/drawing/2010/main" val="0"/>
+              </a:ext>
+            </a:extLst>
+          </a:blip>
+          <a:srcRect/>
+          <a:stretch>
+            <a:fillRect/>
+          </a:stretch>
+        </p:blipFill>
+        <p:spPr bwMode="auto">
+          <a:xfrm>
+            <a:off x="4572000" y="3123804"/>
+            <a:ext cx="2940472" cy="2940472"/>
+          </a:xfrm>
+          <a:prstGeom prst="rect">
+            <a:avLst/>
+          </a:prstGeom>
+          <a:noFill/>
+          <a:extLst>
+            <a:ext uri="{909E8E84-426E-40DD-AFC4-6F175D3DCCD1}">
+              <a14:hiddenFill xmlns:a14="http://schemas.microsoft.com/office/drawing/2010/main">
+                <a:solidFill>
+                  <a:srgbClr val="FFFFFF"/>
+                </a:solidFill>
+              </a14:hiddenFill>
+            </a:ext>
+          </a:extLst>
+        </p:spPr>
+      </p:pic>
+    </p:spTree>
+    <p:extLst>
+      <p:ext uri="{BB962C8B-B14F-4D97-AF65-F5344CB8AC3E}">
+        <p14:creationId xmlns:p14="http://schemas.microsoft.com/office/powerpoint/2010/main" val="3397077266"/>
+      </p:ext>
+    </p:extLst>
+  </p:cSld>
+  <p:clrMapOvr>
+    <a:masterClrMapping/>
+  </p:clrMapOvr>
+  <p:timing>
+    <p:tnLst>
+      <p:par>
+        <p:cTn id="1" dur="indefinite" restart="never" nodeType="tmRoot"/>
+      </p:par>
+    </p:tnLst>
+  </p:timing>
+</p:sld>
+</file>
+
+<file path=ppt/slides/slide4.xml><?xml version="1.0" encoding="utf-8"?>
+<p:sld xmlns:a="http://schemas.openxmlformats.org/drawingml/2006/main" xmlns:r="http://schemas.openxmlformats.org/officeDocument/2006/relationships" xmlns:p="http://schemas.openxmlformats.org/presentationml/2006/main">
+  <p:cSld>
+    <p:bg>
+      <p:bgPr>
+        <a:gradFill>
+          <a:gsLst>
+            <a:gs pos="0">
+              <a:srgbClr val="990033">
+                <a:lumMod val="81000"/>
+              </a:srgbClr>
+            </a:gs>
+            <a:gs pos="84000">
+              <a:schemeClr val="accent4">
+                <a:lumMod val="25000"/>
+              </a:schemeClr>
+            </a:gs>
+          </a:gsLst>
+          <a:lin ang="19200000" scaled="0"/>
+        </a:gradFill>
+        <a:effectLst/>
+      </p:bgPr>
+    </p:bg>
+    <p:spTree>
+      <p:nvGrpSpPr>
+        <p:cNvPr id="1" name=""/>
+        <p:cNvGrpSpPr/>
+        <p:nvPr/>
+      </p:nvGrpSpPr>
+      <p:grpSpPr>
+        <a:xfrm>
+          <a:off x="0" y="0"/>
+          <a:ext cx="0" cy="0"/>
+          <a:chOff x="0" y="0"/>
+          <a:chExt cx="0" cy="0"/>
+        </a:xfrm>
+      </p:grpSpPr>
+      <p:sp>
+        <p:nvSpPr>
+          <p:cNvPr id="2" name="1 CuadroTexto"/>
+          <p:cNvSpPr txBox="1"/>
+          <p:nvPr/>
+        </p:nvSpPr>
+        <p:spPr>
+          <a:xfrm>
+            <a:off x="827584" y="548815"/>
+            <a:ext cx="2856872" cy="523220"/>
+          </a:xfrm>
+          <a:prstGeom prst="rect">
+            <a:avLst/>
+          </a:prstGeom>
+          <a:noFill/>
+        </p:spPr>
+        <p:txBody>
+          <a:bodyPr wrap="none" rtlCol="0">
+            <a:spAutoFit/>
+          </a:bodyPr>
+          <a:lstStyle/>
+          <a:p>
+            <a:r>
+              <a:rPr lang="es-MX" sz="2800" b="1" dirty="0" smtClean="0">
+                <a:solidFill>
+                  <a:schemeClr val="bg1"/>
+                </a:solidFill>
+                <a:latin typeface="Ubuntu" panose="020B0504030602030204" pitchFamily="34" charset="0"/>
+              </a:rPr>
+              <a:t>Malas Practicas</a:t>
+            </a:r>
+            <a:endParaRPr lang="es-VE" sz="2800" b="1" dirty="0">
+              <a:solidFill>
+                <a:schemeClr val="bg1"/>
+              </a:solidFill>
+              <a:latin typeface="Ubuntu" panose="020B0504030602030204" pitchFamily="34" charset="0"/>
+            </a:endParaRPr>
+          </a:p>
+        </p:txBody>
+      </p:sp>
+      <p:pic>
+        <p:nvPicPr>
+          <p:cNvPr id="3" name="2 Imagen"/>
+          <p:cNvPicPr>
+            <a:picLocks noChangeAspect="1"/>
+          </p:cNvPicPr>
+          <p:nvPr/>
+        </p:nvPicPr>
+        <p:blipFill rotWithShape="1">
+          <a:blip r:embed="rId2">
+            <a:extLst>
+              <a:ext uri="{28A0092B-C50C-407E-A947-70E740481C1C}">
+                <a14:useLocalDpi xmlns:a14="http://schemas.microsoft.com/office/drawing/2010/main" val="0"/>
+              </a:ext>
+            </a:extLst>
+          </a:blip>
+          <a:srcRect l="10588" t="8929" r="4578"/>
+          <a:stretch/>
+        </p:blipFill>
+        <p:spPr>
+          <a:xfrm>
+            <a:off x="1043608" y="1211762"/>
+            <a:ext cx="7056784" cy="5365262"/>
+          </a:xfrm>
+          <a:prstGeom prst="rect">
+            <a:avLst/>
+          </a:prstGeom>
+        </p:spPr>
+      </p:pic>
+    </p:spTree>
+    <p:extLst>
+      <p:ext uri="{BB962C8B-B14F-4D97-AF65-F5344CB8AC3E}">
+        <p14:creationId xmlns:p14="http://schemas.microsoft.com/office/powerpoint/2010/main" val="4183328377"/>
+      </p:ext>
+    </p:extLst>
+  </p:cSld>
+  <p:clrMapOvr>
+    <a:masterClrMapping/>
+  </p:clrMapOvr>
+  <p:timing>
+    <p:tnLst>
+      <p:par>
+        <p:cTn id="1" dur="indefinite" restart="never" nodeType="tmRoot"/>
+      </p:par>
+    </p:tnLst>
+  </p:timing>
+</p:sld>
+</file>
+
+<file path=ppt/slides/slide5.xml><?xml version="1.0" encoding="utf-8"?>
+<p:sld xmlns:a="http://schemas.openxmlformats.org/drawingml/2006/main" xmlns:r="http://schemas.openxmlformats.org/officeDocument/2006/relationships" xmlns:p="http://schemas.openxmlformats.org/presentationml/2006/main">
+  <p:cSld>
+    <p:bg>
+      <p:bgPr>
+        <a:gradFill>
+          <a:gsLst>
+            <a:gs pos="0">
+              <a:srgbClr val="990033">
+                <a:lumMod val="81000"/>
+              </a:srgbClr>
+            </a:gs>
+            <a:gs pos="84000">
+              <a:schemeClr val="accent4">
+                <a:lumMod val="25000"/>
+              </a:schemeClr>
+            </a:gs>
+          </a:gsLst>
+          <a:lin ang="19200000" scaled="0"/>
+        </a:gradFill>
+        <a:effectLst/>
+      </p:bgPr>
+    </p:bg>
+    <p:spTree>
+      <p:nvGrpSpPr>
+        <p:cNvPr id="1" name=""/>
+        <p:cNvGrpSpPr/>
+        <p:nvPr/>
+      </p:nvGrpSpPr>
+      <p:grpSpPr>
+        <a:xfrm>
+          <a:off x="0" y="0"/>
+          <a:ext cx="0" cy="0"/>
+          <a:chOff x="0" y="0"/>
+          <a:chExt cx="0" cy="0"/>
+        </a:xfrm>
+      </p:grpSpPr>
+      <p:sp>
+        <p:nvSpPr>
+          <p:cNvPr id="2" name="1 CuadroTexto"/>
+          <p:cNvSpPr txBox="1"/>
+          <p:nvPr/>
+        </p:nvSpPr>
+        <p:spPr>
+          <a:xfrm>
             <a:off x="2048395" y="666274"/>
             <a:ext cx="5253361" cy="523220"/>
           </a:xfrm>
@@ -3750,7 +4349,7 @@
 </p:sld>
 </file>
 
-<file path=ppt/slides/slide11.xml><?xml version="1.0" encoding="utf-8"?>
+<file path=ppt/slides/slide6.xml><?xml version="1.0" encoding="utf-8"?>
 <p:sld xmlns:a="http://schemas.openxmlformats.org/drawingml/2006/main" xmlns:r="http://schemas.openxmlformats.org/officeDocument/2006/relationships" xmlns:p="http://schemas.openxmlformats.org/presentationml/2006/main">
   <p:cSld>
     <p:bg>
@@ -3860,7 +4459,7 @@
 </p:sld>
 </file>
 
-<file path=ppt/slides/slide12.xml><?xml version="1.0" encoding="utf-8"?>
+<file path=ppt/slides/slide7.xml><?xml version="1.0" encoding="utf-8"?>
 <p:sld xmlns:a="http://schemas.openxmlformats.org/drawingml/2006/main" xmlns:r="http://schemas.openxmlformats.org/officeDocument/2006/relationships" xmlns:p="http://schemas.openxmlformats.org/presentationml/2006/main">
   <p:cSld>
     <p:bg>
@@ -4135,7 +4734,7 @@
 </p:sld>
 </file>
 
-<file path=ppt/slides/slide13.xml><?xml version="1.0" encoding="utf-8"?>
+<file path=ppt/slides/slide8.xml><?xml version="1.0" encoding="utf-8"?>
 <p:sld xmlns:a="http://schemas.openxmlformats.org/drawingml/2006/main" xmlns:r="http://schemas.openxmlformats.org/officeDocument/2006/relationships" xmlns:p="http://schemas.openxmlformats.org/presentationml/2006/main">
   <p:cSld>
     <p:bg>
@@ -4410,7 +5009,7 @@
 </p:sld>
 </file>
 
-<file path=ppt/slides/slide14.xml><?xml version="1.0" encoding="utf-8"?>
+<file path=ppt/slides/slide9.xml><?xml version="1.0" encoding="utf-8"?>
 <p:sld xmlns:a="http://schemas.openxmlformats.org/drawingml/2006/main" xmlns:r="http://schemas.openxmlformats.org/officeDocument/2006/relationships" xmlns:p="http://schemas.openxmlformats.org/presentationml/2006/main">
   <p:cSld>
     <p:bg>
@@ -4628,1480 +5227,6 @@
     <p:extLst>
       <p:ext uri="{BB962C8B-B14F-4D97-AF65-F5344CB8AC3E}">
         <p14:creationId xmlns:p14="http://schemas.microsoft.com/office/powerpoint/2010/main" val="2410921887"/>
-      </p:ext>
-    </p:extLst>
-  </p:cSld>
-  <p:clrMapOvr>
-    <a:masterClrMapping/>
-  </p:clrMapOvr>
-  <p:timing>
-    <p:tnLst>
-      <p:par>
-        <p:cTn id="1" dur="indefinite" restart="never" nodeType="tmRoot"/>
-      </p:par>
-    </p:tnLst>
-  </p:timing>
-</p:sld>
-</file>
-
-<file path=ppt/slides/slide15.xml><?xml version="1.0" encoding="utf-8"?>
-<p:sld xmlns:a="http://schemas.openxmlformats.org/drawingml/2006/main" xmlns:r="http://schemas.openxmlformats.org/officeDocument/2006/relationships" xmlns:p="http://schemas.openxmlformats.org/presentationml/2006/main">
-  <p:cSld>
-    <p:bg>
-      <p:bgPr>
-        <a:gradFill>
-          <a:gsLst>
-            <a:gs pos="0">
-              <a:srgbClr val="990033">
-                <a:lumMod val="81000"/>
-              </a:srgbClr>
-            </a:gs>
-            <a:gs pos="84000">
-              <a:schemeClr val="accent4">
-                <a:lumMod val="25000"/>
-              </a:schemeClr>
-            </a:gs>
-          </a:gsLst>
-          <a:lin ang="19200000" scaled="0"/>
-        </a:gradFill>
-        <a:effectLst/>
-      </p:bgPr>
-    </p:bg>
-    <p:spTree>
-      <p:nvGrpSpPr>
-        <p:cNvPr id="1" name=""/>
-        <p:cNvGrpSpPr/>
-        <p:nvPr/>
-      </p:nvGrpSpPr>
-      <p:grpSpPr>
-        <a:xfrm>
-          <a:off x="0" y="0"/>
-          <a:ext cx="0" cy="0"/>
-          <a:chOff x="0" y="0"/>
-          <a:chExt cx="0" cy="0"/>
-        </a:xfrm>
-      </p:grpSpPr>
-      <p:sp>
-        <p:nvSpPr>
-          <p:cNvPr id="2" name="1 CuadroTexto"/>
-          <p:cNvSpPr txBox="1"/>
-          <p:nvPr/>
-        </p:nvSpPr>
-        <p:spPr>
-          <a:xfrm>
-            <a:off x="1403648" y="476672"/>
-            <a:ext cx="6559381" cy="1446550"/>
-          </a:xfrm>
-          <a:prstGeom prst="rect">
-            <a:avLst/>
-          </a:prstGeom>
-          <a:noFill/>
-        </p:spPr>
-        <p:txBody>
-          <a:bodyPr wrap="square" rtlCol="0">
-            <a:spAutoFit/>
-          </a:bodyPr>
-          <a:lstStyle/>
-          <a:p>
-            <a:pPr algn="ctr"/>
-            <a:r>
-              <a:rPr lang="es-MX" sz="8800" dirty="0" err="1" smtClean="0">
-                <a:solidFill>
-                  <a:schemeClr val="bg1"/>
-                </a:solidFill>
-                <a:latin typeface="Futurama" pitchFamily="2" charset="0"/>
-              </a:rPr>
-              <a:t>GitHub</a:t>
-            </a:r>
-            <a:r>
-              <a:rPr lang="es-MX" sz="8800" dirty="0" smtClean="0">
-                <a:solidFill>
-                  <a:schemeClr val="bg1"/>
-                </a:solidFill>
-                <a:latin typeface="Futurama" pitchFamily="2" charset="0"/>
-              </a:rPr>
-              <a:t> vs </a:t>
-            </a:r>
-            <a:r>
-              <a:rPr lang="es-MX" sz="8800" dirty="0" err="1" smtClean="0">
-                <a:solidFill>
-                  <a:schemeClr val="bg1"/>
-                </a:solidFill>
-                <a:latin typeface="Futurama" pitchFamily="2" charset="0"/>
-              </a:rPr>
-              <a:t>GitLab</a:t>
-            </a:r>
-            <a:endParaRPr lang="es-VE" sz="8800" dirty="0">
-              <a:solidFill>
-                <a:schemeClr val="bg1"/>
-              </a:solidFill>
-              <a:latin typeface="Futurama" pitchFamily="2" charset="0"/>
-            </a:endParaRPr>
-          </a:p>
-        </p:txBody>
-      </p:sp>
-      <p:pic>
-        <p:nvPicPr>
-          <p:cNvPr id="4098" name="Picture 2" descr="C:\Users\Leonardo\Downloads\pngwing.com (3).png"/>
-          <p:cNvPicPr>
-            <a:picLocks noChangeAspect="1" noChangeArrowheads="1"/>
-          </p:cNvPicPr>
-          <p:nvPr/>
-        </p:nvPicPr>
-        <p:blipFill>
-          <a:blip r:embed="rId2" cstate="print">
-            <a:extLst>
-              <a:ext uri="{28A0092B-C50C-407E-A947-70E740481C1C}">
-                <a14:useLocalDpi xmlns:a14="http://schemas.microsoft.com/office/drawing/2010/main" val="0"/>
-              </a:ext>
-            </a:extLst>
-          </a:blip>
-          <a:srcRect/>
-          <a:stretch>
-            <a:fillRect/>
-          </a:stretch>
-        </p:blipFill>
-        <p:spPr bwMode="auto">
-          <a:xfrm>
-            <a:off x="4721567" y="2279526"/>
-            <a:ext cx="3450833" cy="3450833"/>
-          </a:xfrm>
-          <a:prstGeom prst="rect">
-            <a:avLst/>
-          </a:prstGeom>
-          <a:noFill/>
-          <a:extLst>
-            <a:ext uri="{909E8E84-426E-40DD-AFC4-6F175D3DCCD1}">
-              <a14:hiddenFill xmlns:a14="http://schemas.microsoft.com/office/drawing/2010/main">
-                <a:solidFill>
-                  <a:srgbClr val="FFFFFF"/>
-                </a:solidFill>
-              </a14:hiddenFill>
-            </a:ext>
-          </a:extLst>
-        </p:spPr>
-      </p:pic>
-      <p:pic>
-        <p:nvPicPr>
-          <p:cNvPr id="4099" name="Picture 3" descr="C:\Users\Leonardo\Downloads\pngwing.com (2).png"/>
-          <p:cNvPicPr>
-            <a:picLocks noChangeAspect="1" noChangeArrowheads="1"/>
-          </p:cNvPicPr>
-          <p:nvPr/>
-        </p:nvPicPr>
-        <p:blipFill>
-          <a:blip r:embed="rId3" cstate="print">
-            <a:extLst>
-              <a:ext uri="{28A0092B-C50C-407E-A947-70E740481C1C}">
-                <a14:useLocalDpi xmlns:a14="http://schemas.microsoft.com/office/drawing/2010/main" val="0"/>
-              </a:ext>
-            </a:extLst>
-          </a:blip>
-          <a:srcRect/>
-          <a:stretch>
-            <a:fillRect/>
-          </a:stretch>
-        </p:blipFill>
-        <p:spPr bwMode="auto">
-          <a:xfrm>
-            <a:off x="1305099" y="2520360"/>
-            <a:ext cx="2990602" cy="2916028"/>
-          </a:xfrm>
-          <a:prstGeom prst="rect">
-            <a:avLst/>
-          </a:prstGeom>
-          <a:noFill/>
-          <a:extLst>
-            <a:ext uri="{909E8E84-426E-40DD-AFC4-6F175D3DCCD1}">
-              <a14:hiddenFill xmlns:a14="http://schemas.microsoft.com/office/drawing/2010/main">
-                <a:solidFill>
-                  <a:srgbClr val="FFFFFF"/>
-                </a:solidFill>
-              </a14:hiddenFill>
-            </a:ext>
-          </a:extLst>
-        </p:spPr>
-      </p:pic>
-    </p:spTree>
-    <p:extLst>
-      <p:ext uri="{BB962C8B-B14F-4D97-AF65-F5344CB8AC3E}">
-        <p14:creationId xmlns:p14="http://schemas.microsoft.com/office/powerpoint/2010/main" val="4245539046"/>
-      </p:ext>
-    </p:extLst>
-  </p:cSld>
-  <p:clrMapOvr>
-    <a:masterClrMapping/>
-  </p:clrMapOvr>
-  <p:timing>
-    <p:tnLst>
-      <p:par>
-        <p:cTn id="1" dur="indefinite" restart="never" nodeType="tmRoot"/>
-      </p:par>
-    </p:tnLst>
-  </p:timing>
-</p:sld>
-</file>
-
-<file path=ppt/slides/slide2.xml><?xml version="1.0" encoding="utf-8"?>
-<p:sld xmlns:a="http://schemas.openxmlformats.org/drawingml/2006/main" xmlns:r="http://schemas.openxmlformats.org/officeDocument/2006/relationships" xmlns:p="http://schemas.openxmlformats.org/presentationml/2006/main">
-  <p:cSld>
-    <p:bg>
-      <p:bgPr>
-        <a:gradFill>
-          <a:gsLst>
-            <a:gs pos="0">
-              <a:srgbClr val="990033">
-                <a:lumMod val="81000"/>
-              </a:srgbClr>
-            </a:gs>
-            <a:gs pos="84000">
-              <a:schemeClr val="accent4">
-                <a:lumMod val="25000"/>
-              </a:schemeClr>
-            </a:gs>
-          </a:gsLst>
-          <a:lin ang="19200000" scaled="0"/>
-        </a:gradFill>
-        <a:effectLst/>
-      </p:bgPr>
-    </p:bg>
-    <p:spTree>
-      <p:nvGrpSpPr>
-        <p:cNvPr id="1" name=""/>
-        <p:cNvGrpSpPr/>
-        <p:nvPr/>
-      </p:nvGrpSpPr>
-      <p:grpSpPr>
-        <a:xfrm>
-          <a:off x="0" y="0"/>
-          <a:ext cx="0" cy="0"/>
-          <a:chOff x="0" y="0"/>
-          <a:chExt cx="0" cy="0"/>
-        </a:xfrm>
-      </p:grpSpPr>
-      <p:sp>
-        <p:nvSpPr>
-          <p:cNvPr id="2" name="1 CuadroTexto"/>
-          <p:cNvSpPr txBox="1"/>
-          <p:nvPr/>
-        </p:nvSpPr>
-        <p:spPr>
-          <a:xfrm>
-            <a:off x="854935" y="1351508"/>
-            <a:ext cx="7434131" cy="4154984"/>
-          </a:xfrm>
-          <a:prstGeom prst="rect">
-            <a:avLst/>
-          </a:prstGeom>
-          <a:noFill/>
-        </p:spPr>
-        <p:txBody>
-          <a:bodyPr wrap="square" rtlCol="0">
-            <a:spAutoFit/>
-          </a:bodyPr>
-          <a:lstStyle/>
-          <a:p>
-            <a:pPr algn="ctr"/>
-            <a:r>
-              <a:rPr lang="es-MX" sz="8800" dirty="0" smtClean="0">
-                <a:solidFill>
-                  <a:schemeClr val="bg1"/>
-                </a:solidFill>
-                <a:latin typeface="Futurama" pitchFamily="2" charset="0"/>
-                <a:ea typeface="Futura" panose="02020800000000000000" pitchFamily="18" charset="0"/>
-                <a:cs typeface="Futura" panose="02020800000000000000" pitchFamily="18" charset="0"/>
-              </a:rPr>
-              <a:t>Sistema de control de versiones</a:t>
-            </a:r>
-            <a:endParaRPr lang="es-VE" sz="8800" dirty="0">
-              <a:solidFill>
-                <a:schemeClr val="bg1"/>
-              </a:solidFill>
-              <a:latin typeface="Futurama" pitchFamily="2" charset="0"/>
-              <a:ea typeface="Futura" panose="02020800000000000000" pitchFamily="18" charset="0"/>
-              <a:cs typeface="Futura" panose="02020800000000000000" pitchFamily="18" charset="0"/>
-            </a:endParaRPr>
-          </a:p>
-        </p:txBody>
-      </p:sp>
-    </p:spTree>
-    <p:extLst>
-      <p:ext uri="{BB962C8B-B14F-4D97-AF65-F5344CB8AC3E}">
-        <p14:creationId xmlns:p14="http://schemas.microsoft.com/office/powerpoint/2010/main" val="4107798021"/>
-      </p:ext>
-    </p:extLst>
-  </p:cSld>
-  <p:clrMapOvr>
-    <a:masterClrMapping/>
-  </p:clrMapOvr>
-  <p:timing>
-    <p:tnLst>
-      <p:par>
-        <p:cTn id="1" dur="indefinite" restart="never" nodeType="tmRoot"/>
-      </p:par>
-    </p:tnLst>
-  </p:timing>
-</p:sld>
-</file>
-
-<file path=ppt/slides/slide3.xml><?xml version="1.0" encoding="utf-8"?>
-<p:sld xmlns:a="http://schemas.openxmlformats.org/drawingml/2006/main" xmlns:r="http://schemas.openxmlformats.org/officeDocument/2006/relationships" xmlns:p="http://schemas.openxmlformats.org/presentationml/2006/main">
-  <p:cSld>
-    <p:bg>
-      <p:bgPr>
-        <a:gradFill>
-          <a:gsLst>
-            <a:gs pos="0">
-              <a:srgbClr val="990033">
-                <a:lumMod val="81000"/>
-              </a:srgbClr>
-            </a:gs>
-            <a:gs pos="84000">
-              <a:schemeClr val="accent4">
-                <a:lumMod val="25000"/>
-              </a:schemeClr>
-            </a:gs>
-          </a:gsLst>
-          <a:lin ang="19200000" scaled="0"/>
-        </a:gradFill>
-        <a:effectLst/>
-      </p:bgPr>
-    </p:bg>
-    <p:spTree>
-      <p:nvGrpSpPr>
-        <p:cNvPr id="1" name=""/>
-        <p:cNvGrpSpPr/>
-        <p:nvPr/>
-      </p:nvGrpSpPr>
-      <p:grpSpPr>
-        <a:xfrm>
-          <a:off x="0" y="0"/>
-          <a:ext cx="0" cy="0"/>
-          <a:chOff x="0" y="0"/>
-          <a:chExt cx="0" cy="0"/>
-        </a:xfrm>
-      </p:grpSpPr>
-      <p:sp>
-        <p:nvSpPr>
-          <p:cNvPr id="2" name="1 CuadroTexto"/>
-          <p:cNvSpPr txBox="1"/>
-          <p:nvPr/>
-        </p:nvSpPr>
-        <p:spPr>
-          <a:xfrm>
-            <a:off x="1043608" y="1052736"/>
-            <a:ext cx="1688283" cy="523220"/>
-          </a:xfrm>
-          <a:prstGeom prst="rect">
-            <a:avLst/>
-          </a:prstGeom>
-          <a:noFill/>
-        </p:spPr>
-        <p:txBody>
-          <a:bodyPr wrap="none" rtlCol="0">
-            <a:spAutoFit/>
-          </a:bodyPr>
-          <a:lstStyle/>
-          <a:p>
-            <a:r>
-              <a:rPr lang="es-MX" sz="2800" b="1" dirty="0" smtClean="0">
-                <a:solidFill>
-                  <a:schemeClr val="bg1"/>
-                </a:solidFill>
-                <a:latin typeface="Ubuntu" panose="020B0504030602030204" pitchFamily="34" charset="0"/>
-              </a:rPr>
-              <a:t>¿Qué es?</a:t>
-            </a:r>
-            <a:endParaRPr lang="es-VE" sz="2800" b="1" dirty="0">
-              <a:solidFill>
-                <a:schemeClr val="bg1"/>
-              </a:solidFill>
-              <a:latin typeface="Ubuntu" panose="020B0504030602030204" pitchFamily="34" charset="0"/>
-            </a:endParaRPr>
-          </a:p>
-        </p:txBody>
-      </p:sp>
-      <p:sp>
-        <p:nvSpPr>
-          <p:cNvPr id="11" name="10 CuadroTexto"/>
-          <p:cNvSpPr txBox="1"/>
-          <p:nvPr/>
-        </p:nvSpPr>
-        <p:spPr>
-          <a:xfrm>
-            <a:off x="1042120" y="1800365"/>
-            <a:ext cx="7490320" cy="1323439"/>
-          </a:xfrm>
-          <a:prstGeom prst="rect">
-            <a:avLst/>
-          </a:prstGeom>
-          <a:noFill/>
-        </p:spPr>
-        <p:txBody>
-          <a:bodyPr wrap="square" rtlCol="0">
-            <a:spAutoFit/>
-          </a:bodyPr>
-          <a:lstStyle/>
-          <a:p>
-            <a:r>
-              <a:rPr lang="es-MX" sz="2000" dirty="0" smtClean="0">
-                <a:solidFill>
-                  <a:schemeClr val="bg1"/>
-                </a:solidFill>
-                <a:latin typeface="Ubuntu" panose="020B0504030602030204" pitchFamily="34" charset="0"/>
-              </a:rPr>
-              <a:t>Software versionar nuestro código. Organiza nuestro flujo de trabajo y almacena los cambios que realizamos en nuestro proyectos, dotándonos de completo control en la creación y desarrollo del mismo</a:t>
-            </a:r>
-            <a:endParaRPr lang="es-VE" sz="2000" dirty="0">
-              <a:solidFill>
-                <a:schemeClr val="bg1"/>
-              </a:solidFill>
-              <a:latin typeface="Ubuntu" panose="020B0504030602030204" pitchFamily="34" charset="0"/>
-            </a:endParaRPr>
-          </a:p>
-        </p:txBody>
-      </p:sp>
-      <p:pic>
-        <p:nvPicPr>
-          <p:cNvPr id="1026" name="Picture 2" descr="C:\Users\Leonardo\Downloads\pngwing.com (3).png"/>
-          <p:cNvPicPr>
-            <a:picLocks noChangeAspect="1" noChangeArrowheads="1"/>
-          </p:cNvPicPr>
-          <p:nvPr/>
-        </p:nvPicPr>
-        <p:blipFill>
-          <a:blip r:embed="rId2" cstate="print">
-            <a:extLst>
-              <a:ext uri="{28A0092B-C50C-407E-A947-70E740481C1C}">
-                <a14:useLocalDpi xmlns:a14="http://schemas.microsoft.com/office/drawing/2010/main" val="0"/>
-              </a:ext>
-            </a:extLst>
-          </a:blip>
-          <a:srcRect/>
-          <a:stretch>
-            <a:fillRect/>
-          </a:stretch>
-        </p:blipFill>
-        <p:spPr bwMode="auto">
-          <a:xfrm>
-            <a:off x="4572000" y="3123804"/>
-            <a:ext cx="2940472" cy="2940472"/>
-          </a:xfrm>
-          <a:prstGeom prst="rect">
-            <a:avLst/>
-          </a:prstGeom>
-          <a:noFill/>
-          <a:extLst>
-            <a:ext uri="{909E8E84-426E-40DD-AFC4-6F175D3DCCD1}">
-              <a14:hiddenFill xmlns:a14="http://schemas.microsoft.com/office/drawing/2010/main">
-                <a:solidFill>
-                  <a:srgbClr val="FFFFFF"/>
-                </a:solidFill>
-              </a14:hiddenFill>
-            </a:ext>
-          </a:extLst>
-        </p:spPr>
-      </p:pic>
-    </p:spTree>
-    <p:extLst>
-      <p:ext uri="{BB962C8B-B14F-4D97-AF65-F5344CB8AC3E}">
-        <p14:creationId xmlns:p14="http://schemas.microsoft.com/office/powerpoint/2010/main" val="3397077266"/>
-      </p:ext>
-    </p:extLst>
-  </p:cSld>
-  <p:clrMapOvr>
-    <a:masterClrMapping/>
-  </p:clrMapOvr>
-  <p:timing>
-    <p:tnLst>
-      <p:par>
-        <p:cTn id="1" dur="indefinite" restart="never" nodeType="tmRoot"/>
-      </p:par>
-    </p:tnLst>
-  </p:timing>
-</p:sld>
-</file>
-
-<file path=ppt/slides/slide4.xml><?xml version="1.0" encoding="utf-8"?>
-<p:sld xmlns:a="http://schemas.openxmlformats.org/drawingml/2006/main" xmlns:r="http://schemas.openxmlformats.org/officeDocument/2006/relationships" xmlns:p="http://schemas.openxmlformats.org/presentationml/2006/main">
-  <p:cSld>
-    <p:bg>
-      <p:bgPr>
-        <a:gradFill>
-          <a:gsLst>
-            <a:gs pos="0">
-              <a:srgbClr val="990033">
-                <a:lumMod val="81000"/>
-              </a:srgbClr>
-            </a:gs>
-            <a:gs pos="84000">
-              <a:schemeClr val="accent4">
-                <a:lumMod val="25000"/>
-              </a:schemeClr>
-            </a:gs>
-          </a:gsLst>
-          <a:lin ang="19200000" scaled="0"/>
-        </a:gradFill>
-        <a:effectLst/>
-      </p:bgPr>
-    </p:bg>
-    <p:spTree>
-      <p:nvGrpSpPr>
-        <p:cNvPr id="1" name=""/>
-        <p:cNvGrpSpPr/>
-        <p:nvPr/>
-      </p:nvGrpSpPr>
-      <p:grpSpPr>
-        <a:xfrm>
-          <a:off x="0" y="0"/>
-          <a:ext cx="0" cy="0"/>
-          <a:chOff x="0" y="0"/>
-          <a:chExt cx="0" cy="0"/>
-        </a:xfrm>
-      </p:grpSpPr>
-      <p:sp>
-        <p:nvSpPr>
-          <p:cNvPr id="2" name="1 CuadroTexto"/>
-          <p:cNvSpPr txBox="1"/>
-          <p:nvPr/>
-        </p:nvSpPr>
-        <p:spPr>
-          <a:xfrm>
-            <a:off x="827584" y="548815"/>
-            <a:ext cx="2856872" cy="523220"/>
-          </a:xfrm>
-          <a:prstGeom prst="rect">
-            <a:avLst/>
-          </a:prstGeom>
-          <a:noFill/>
-        </p:spPr>
-        <p:txBody>
-          <a:bodyPr wrap="none" rtlCol="0">
-            <a:spAutoFit/>
-          </a:bodyPr>
-          <a:lstStyle/>
-          <a:p>
-            <a:r>
-              <a:rPr lang="es-MX" sz="2800" b="1" dirty="0" smtClean="0">
-                <a:solidFill>
-                  <a:schemeClr val="bg1"/>
-                </a:solidFill>
-                <a:latin typeface="Ubuntu" panose="020B0504030602030204" pitchFamily="34" charset="0"/>
-              </a:rPr>
-              <a:t>Malas Practicas</a:t>
-            </a:r>
-            <a:endParaRPr lang="es-VE" sz="2800" b="1" dirty="0">
-              <a:solidFill>
-                <a:schemeClr val="bg1"/>
-              </a:solidFill>
-              <a:latin typeface="Ubuntu" panose="020B0504030602030204" pitchFamily="34" charset="0"/>
-            </a:endParaRPr>
-          </a:p>
-        </p:txBody>
-      </p:sp>
-      <p:pic>
-        <p:nvPicPr>
-          <p:cNvPr id="3" name="2 Imagen"/>
-          <p:cNvPicPr>
-            <a:picLocks noChangeAspect="1"/>
-          </p:cNvPicPr>
-          <p:nvPr/>
-        </p:nvPicPr>
-        <p:blipFill rotWithShape="1">
-          <a:blip r:embed="rId2">
-            <a:extLst>
-              <a:ext uri="{28A0092B-C50C-407E-A947-70E740481C1C}">
-                <a14:useLocalDpi xmlns:a14="http://schemas.microsoft.com/office/drawing/2010/main" val="0"/>
-              </a:ext>
-            </a:extLst>
-          </a:blip>
-          <a:srcRect l="10588" t="8929" r="4578"/>
-          <a:stretch/>
-        </p:blipFill>
-        <p:spPr>
-          <a:xfrm>
-            <a:off x="1043608" y="1211762"/>
-            <a:ext cx="7056784" cy="5365262"/>
-          </a:xfrm>
-          <a:prstGeom prst="rect">
-            <a:avLst/>
-          </a:prstGeom>
-        </p:spPr>
-      </p:pic>
-    </p:spTree>
-    <p:extLst>
-      <p:ext uri="{BB962C8B-B14F-4D97-AF65-F5344CB8AC3E}">
-        <p14:creationId xmlns:p14="http://schemas.microsoft.com/office/powerpoint/2010/main" val="4183328377"/>
-      </p:ext>
-    </p:extLst>
-  </p:cSld>
-  <p:clrMapOvr>
-    <a:masterClrMapping/>
-  </p:clrMapOvr>
-  <p:timing>
-    <p:tnLst>
-      <p:par>
-        <p:cTn id="1" dur="indefinite" restart="never" nodeType="tmRoot"/>
-      </p:par>
-    </p:tnLst>
-  </p:timing>
-</p:sld>
-</file>
-
-<file path=ppt/slides/slide5.xml><?xml version="1.0" encoding="utf-8"?>
-<p:sld xmlns:a="http://schemas.openxmlformats.org/drawingml/2006/main" xmlns:r="http://schemas.openxmlformats.org/officeDocument/2006/relationships" xmlns:p="http://schemas.openxmlformats.org/presentationml/2006/main">
-  <p:cSld>
-    <p:bg>
-      <p:bgPr>
-        <a:gradFill>
-          <a:gsLst>
-            <a:gs pos="0">
-              <a:srgbClr val="990033">
-                <a:lumMod val="81000"/>
-              </a:srgbClr>
-            </a:gs>
-            <a:gs pos="84000">
-              <a:schemeClr val="accent4">
-                <a:lumMod val="25000"/>
-              </a:schemeClr>
-            </a:gs>
-          </a:gsLst>
-          <a:lin ang="19200000" scaled="0"/>
-        </a:gradFill>
-        <a:effectLst/>
-      </p:bgPr>
-    </p:bg>
-    <p:spTree>
-      <p:nvGrpSpPr>
-        <p:cNvPr id="1" name=""/>
-        <p:cNvGrpSpPr/>
-        <p:nvPr/>
-      </p:nvGrpSpPr>
-      <p:grpSpPr>
-        <a:xfrm>
-          <a:off x="0" y="0"/>
-          <a:ext cx="0" cy="0"/>
-          <a:chOff x="0" y="0"/>
-          <a:chExt cx="0" cy="0"/>
-        </a:xfrm>
-      </p:grpSpPr>
-      <p:sp>
-        <p:nvSpPr>
-          <p:cNvPr id="2" name="1 CuadroTexto"/>
-          <p:cNvSpPr txBox="1"/>
-          <p:nvPr/>
-        </p:nvSpPr>
-        <p:spPr>
-          <a:xfrm>
-            <a:off x="1292310" y="2705725"/>
-            <a:ext cx="6559381" cy="1446550"/>
-          </a:xfrm>
-          <a:prstGeom prst="rect">
-            <a:avLst/>
-          </a:prstGeom>
-          <a:noFill/>
-        </p:spPr>
-        <p:txBody>
-          <a:bodyPr wrap="square" rtlCol="0">
-            <a:spAutoFit/>
-          </a:bodyPr>
-          <a:lstStyle/>
-          <a:p>
-            <a:pPr algn="ctr"/>
-            <a:r>
-              <a:rPr lang="es-MX" sz="8800" dirty="0" smtClean="0">
-                <a:solidFill>
-                  <a:schemeClr val="bg1"/>
-                </a:solidFill>
-                <a:latin typeface="Futurama" pitchFamily="2" charset="0"/>
-              </a:rPr>
-              <a:t>Historio de GIT</a:t>
-            </a:r>
-            <a:endParaRPr lang="es-VE" sz="8800" dirty="0">
-              <a:solidFill>
-                <a:schemeClr val="bg1"/>
-              </a:solidFill>
-              <a:latin typeface="Futurama" pitchFamily="2" charset="0"/>
-            </a:endParaRPr>
-          </a:p>
-        </p:txBody>
-      </p:sp>
-    </p:spTree>
-    <p:extLst>
-      <p:ext uri="{BB962C8B-B14F-4D97-AF65-F5344CB8AC3E}">
-        <p14:creationId xmlns:p14="http://schemas.microsoft.com/office/powerpoint/2010/main" val="1108277520"/>
-      </p:ext>
-    </p:extLst>
-  </p:cSld>
-  <p:clrMapOvr>
-    <a:masterClrMapping/>
-  </p:clrMapOvr>
-  <p:timing>
-    <p:tnLst>
-      <p:par>
-        <p:cTn id="1" dur="indefinite" restart="never" nodeType="tmRoot"/>
-      </p:par>
-    </p:tnLst>
-  </p:timing>
-</p:sld>
-</file>
-
-<file path=ppt/slides/slide6.xml><?xml version="1.0" encoding="utf-8"?>
-<p:sld xmlns:a="http://schemas.openxmlformats.org/drawingml/2006/main" xmlns:r="http://schemas.openxmlformats.org/officeDocument/2006/relationships" xmlns:p="http://schemas.openxmlformats.org/presentationml/2006/main">
-  <p:cSld>
-    <p:bg>
-      <p:bgPr>
-        <a:gradFill>
-          <a:gsLst>
-            <a:gs pos="0">
-              <a:srgbClr val="990033">
-                <a:lumMod val="81000"/>
-              </a:srgbClr>
-            </a:gs>
-            <a:gs pos="84000">
-              <a:schemeClr val="accent4">
-                <a:lumMod val="25000"/>
-              </a:schemeClr>
-            </a:gs>
-          </a:gsLst>
-          <a:lin ang="19200000" scaled="0"/>
-        </a:gradFill>
-        <a:effectLst/>
-      </p:bgPr>
-    </p:bg>
-    <p:spTree>
-      <p:nvGrpSpPr>
-        <p:cNvPr id="1" name=""/>
-        <p:cNvGrpSpPr/>
-        <p:nvPr/>
-      </p:nvGrpSpPr>
-      <p:grpSpPr>
-        <a:xfrm>
-          <a:off x="0" y="0"/>
-          <a:ext cx="0" cy="0"/>
-          <a:chOff x="0" y="0"/>
-          <a:chExt cx="0" cy="0"/>
-        </a:xfrm>
-      </p:grpSpPr>
-      <p:sp>
-        <p:nvSpPr>
-          <p:cNvPr id="2" name="1 CuadroTexto"/>
-          <p:cNvSpPr txBox="1"/>
-          <p:nvPr/>
-        </p:nvSpPr>
-        <p:spPr>
-          <a:xfrm>
-            <a:off x="683568" y="529516"/>
-            <a:ext cx="1290738" cy="523220"/>
-          </a:xfrm>
-          <a:prstGeom prst="rect">
-            <a:avLst/>
-          </a:prstGeom>
-          <a:noFill/>
-        </p:spPr>
-        <p:txBody>
-          <a:bodyPr wrap="none" rtlCol="0">
-            <a:spAutoFit/>
-          </a:bodyPr>
-          <a:lstStyle/>
-          <a:p>
-            <a:r>
-              <a:rPr lang="es-MX" sz="2800" b="1" dirty="0" smtClean="0">
-                <a:solidFill>
-                  <a:schemeClr val="bg1"/>
-                </a:solidFill>
-                <a:latin typeface="Ubuntu" panose="020B0504030602030204" pitchFamily="34" charset="0"/>
-              </a:rPr>
-              <a:t>Inicios</a:t>
-            </a:r>
-            <a:endParaRPr lang="es-VE" sz="2800" b="1" dirty="0">
-              <a:solidFill>
-                <a:schemeClr val="bg1"/>
-              </a:solidFill>
-              <a:latin typeface="Ubuntu" panose="020B0504030602030204" pitchFamily="34" charset="0"/>
-            </a:endParaRPr>
-          </a:p>
-        </p:txBody>
-      </p:sp>
-      <p:sp>
-        <p:nvSpPr>
-          <p:cNvPr id="11" name="10 CuadroTexto"/>
-          <p:cNvSpPr txBox="1"/>
-          <p:nvPr/>
-        </p:nvSpPr>
-        <p:spPr>
-          <a:xfrm>
-            <a:off x="667746" y="1196752"/>
-            <a:ext cx="7490320" cy="1015663"/>
-          </a:xfrm>
-          <a:prstGeom prst="rect">
-            <a:avLst/>
-          </a:prstGeom>
-          <a:noFill/>
-        </p:spPr>
-        <p:txBody>
-          <a:bodyPr wrap="square" rtlCol="0">
-            <a:spAutoFit/>
-          </a:bodyPr>
-          <a:lstStyle/>
-          <a:p>
-            <a:r>
-              <a:rPr lang="es-MX" sz="2000" dirty="0" smtClean="0">
-                <a:solidFill>
-                  <a:schemeClr val="bg1"/>
-                </a:solidFill>
-                <a:latin typeface="Ubuntu" panose="020B0504030602030204" pitchFamily="34" charset="0"/>
-              </a:rPr>
-              <a:t>El </a:t>
-            </a:r>
-            <a:r>
-              <a:rPr lang="es-MX" sz="2000" dirty="0">
-                <a:solidFill>
-                  <a:schemeClr val="bg1"/>
-                </a:solidFill>
-                <a:latin typeface="Ubuntu" panose="020B0504030602030204" pitchFamily="34" charset="0"/>
-              </a:rPr>
-              <a:t>proyecto del </a:t>
-            </a:r>
-            <a:r>
-              <a:rPr lang="es-MX" sz="2000" dirty="0" err="1">
-                <a:solidFill>
-                  <a:schemeClr val="bg1"/>
-                </a:solidFill>
-                <a:latin typeface="Ubuntu" panose="020B0504030602030204" pitchFamily="34" charset="0"/>
-              </a:rPr>
-              <a:t>kernel</a:t>
-            </a:r>
-            <a:r>
-              <a:rPr lang="es-MX" sz="2000" dirty="0">
-                <a:solidFill>
-                  <a:schemeClr val="bg1"/>
-                </a:solidFill>
-                <a:latin typeface="Ubuntu" panose="020B0504030602030204" pitchFamily="34" charset="0"/>
-              </a:rPr>
-              <a:t> de </a:t>
-            </a:r>
-            <a:r>
-              <a:rPr lang="es-MX" sz="2000" dirty="0" smtClean="0">
-                <a:solidFill>
-                  <a:schemeClr val="bg1"/>
-                </a:solidFill>
-                <a:latin typeface="Ubuntu" panose="020B0504030602030204" pitchFamily="34" charset="0"/>
-              </a:rPr>
-              <a:t>Linux por </a:t>
-            </a:r>
-            <a:r>
-              <a:rPr lang="es-MX" sz="2000" dirty="0" err="1" smtClean="0">
-                <a:solidFill>
-                  <a:schemeClr val="bg1"/>
-                </a:solidFill>
-                <a:latin typeface="Ubuntu" panose="020B0504030602030204" pitchFamily="34" charset="0"/>
-              </a:rPr>
-              <a:t>Linus</a:t>
-            </a:r>
-            <a:r>
-              <a:rPr lang="es-MX" sz="2000" dirty="0" smtClean="0">
-                <a:solidFill>
-                  <a:schemeClr val="bg1"/>
-                </a:solidFill>
-                <a:latin typeface="Ubuntu" panose="020B0504030602030204" pitchFamily="34" charset="0"/>
-              </a:rPr>
-              <a:t> </a:t>
-            </a:r>
-            <a:r>
-              <a:rPr lang="es-MX" sz="2000" dirty="0" err="1">
-                <a:solidFill>
-                  <a:schemeClr val="bg1"/>
-                </a:solidFill>
-                <a:latin typeface="Ubuntu" panose="020B0504030602030204" pitchFamily="34" charset="0"/>
-              </a:rPr>
-              <a:t>T</a:t>
-            </a:r>
-            <a:r>
-              <a:rPr lang="es-MX" sz="2000" dirty="0" err="1" smtClean="0">
-                <a:solidFill>
-                  <a:schemeClr val="bg1"/>
-                </a:solidFill>
-                <a:latin typeface="Ubuntu" panose="020B0504030602030204" pitchFamily="34" charset="0"/>
-              </a:rPr>
-              <a:t>orvals</a:t>
-            </a:r>
-            <a:r>
-              <a:rPr lang="es-MX" sz="2000" dirty="0" smtClean="0">
-                <a:solidFill>
-                  <a:schemeClr val="bg1"/>
-                </a:solidFill>
-                <a:latin typeface="Ubuntu" panose="020B0504030602030204" pitchFamily="34" charset="0"/>
-              </a:rPr>
-              <a:t> </a:t>
-            </a:r>
-            <a:r>
-              <a:rPr lang="es-MX" sz="2000" dirty="0">
-                <a:solidFill>
-                  <a:schemeClr val="bg1"/>
-                </a:solidFill>
-                <a:latin typeface="Ubuntu" panose="020B0504030602030204" pitchFamily="34" charset="0"/>
-              </a:rPr>
-              <a:t>empezó a usar un DVCS propietario llamado </a:t>
-            </a:r>
-            <a:r>
-              <a:rPr lang="es-MX" sz="2000" dirty="0" err="1">
-                <a:solidFill>
-                  <a:schemeClr val="bg1"/>
-                </a:solidFill>
-                <a:latin typeface="Ubuntu" panose="020B0504030602030204" pitchFamily="34" charset="0"/>
-              </a:rPr>
-              <a:t>BitKeeper</a:t>
-            </a:r>
-            <a:r>
-              <a:rPr lang="es-MX" sz="2000" dirty="0">
-                <a:solidFill>
-                  <a:schemeClr val="bg1"/>
-                </a:solidFill>
-                <a:latin typeface="Ubuntu" panose="020B0504030602030204" pitchFamily="34" charset="0"/>
-              </a:rPr>
-              <a:t>. En el 2005, la relación entre la comunidad que desarrollaba el </a:t>
-            </a:r>
-            <a:r>
-              <a:rPr lang="es-MX" sz="2000" dirty="0" err="1">
-                <a:solidFill>
-                  <a:schemeClr val="bg1"/>
-                </a:solidFill>
-                <a:latin typeface="Ubuntu" panose="020B0504030602030204" pitchFamily="34" charset="0"/>
-              </a:rPr>
-              <a:t>kernel</a:t>
-            </a:r>
-            <a:r>
-              <a:rPr lang="es-MX" sz="2000" dirty="0">
-                <a:solidFill>
-                  <a:schemeClr val="bg1"/>
-                </a:solidFill>
-                <a:latin typeface="Ubuntu" panose="020B0504030602030204" pitchFamily="34" charset="0"/>
-              </a:rPr>
-              <a:t> de Linux y </a:t>
-            </a:r>
-            <a:r>
-              <a:rPr lang="es-MX" sz="2000" dirty="0" smtClean="0">
-                <a:solidFill>
-                  <a:schemeClr val="bg1"/>
-                </a:solidFill>
-                <a:latin typeface="Ubuntu" panose="020B0504030602030204" pitchFamily="34" charset="0"/>
-              </a:rPr>
-              <a:t>la</a:t>
-            </a:r>
-            <a:endParaRPr lang="es-VE" sz="2000" dirty="0">
-              <a:solidFill>
-                <a:schemeClr val="bg1"/>
-              </a:solidFill>
-              <a:latin typeface="Ubuntu" panose="020B0504030602030204" pitchFamily="34" charset="0"/>
-            </a:endParaRPr>
-          </a:p>
-        </p:txBody>
-      </p:sp>
-      <p:pic>
-        <p:nvPicPr>
-          <p:cNvPr id="2050" name="Picture 2" descr="C:\Users\Leonardo\Desktop\programacion_web_primer_modulo\contenido_curso\3_sistema_de_control_de_versiones\linus_torvalds.jpg"/>
-          <p:cNvPicPr>
-            <a:picLocks noChangeAspect="1" noChangeArrowheads="1"/>
-          </p:cNvPicPr>
-          <p:nvPr/>
-        </p:nvPicPr>
-        <p:blipFill rotWithShape="1">
-          <a:blip r:embed="rId2">
-            <a:extLst>
-              <a:ext uri="{28A0092B-C50C-407E-A947-70E740481C1C}">
-                <a14:useLocalDpi xmlns:a14="http://schemas.microsoft.com/office/drawing/2010/main" val="0"/>
-              </a:ext>
-            </a:extLst>
-          </a:blip>
-          <a:srcRect l="25805"/>
-          <a:stretch/>
-        </p:blipFill>
-        <p:spPr bwMode="auto">
-          <a:xfrm>
-            <a:off x="4067944" y="2326031"/>
-            <a:ext cx="4113736" cy="3994116"/>
-          </a:xfrm>
-          <a:prstGeom prst="rect">
-            <a:avLst/>
-          </a:prstGeom>
-          <a:noFill/>
-          <a:extLst>
-            <a:ext uri="{909E8E84-426E-40DD-AFC4-6F175D3DCCD1}">
-              <a14:hiddenFill xmlns:a14="http://schemas.microsoft.com/office/drawing/2010/main">
-                <a:solidFill>
-                  <a:srgbClr val="FFFFFF"/>
-                </a:solidFill>
-              </a14:hiddenFill>
-            </a:ext>
-          </a:extLst>
-        </p:spPr>
-      </p:pic>
-      <p:sp>
-        <p:nvSpPr>
-          <p:cNvPr id="5" name="4 CuadroTexto"/>
-          <p:cNvSpPr txBox="1"/>
-          <p:nvPr/>
-        </p:nvSpPr>
-        <p:spPr>
-          <a:xfrm>
-            <a:off x="667746" y="2096803"/>
-            <a:ext cx="3024336" cy="3447098"/>
-          </a:xfrm>
-          <a:prstGeom prst="rect">
-            <a:avLst/>
-          </a:prstGeom>
-          <a:noFill/>
-        </p:spPr>
-        <p:txBody>
-          <a:bodyPr wrap="square" rtlCol="0">
-            <a:spAutoFit/>
-          </a:bodyPr>
-          <a:lstStyle/>
-          <a:p>
-            <a:r>
-              <a:rPr lang="es-MX" sz="2000" dirty="0">
-                <a:solidFill>
-                  <a:schemeClr val="bg1"/>
-                </a:solidFill>
-                <a:latin typeface="Ubuntu" panose="020B0504030602030204" pitchFamily="34" charset="0"/>
-              </a:rPr>
-              <a:t>compañía que desarrollaba </a:t>
-            </a:r>
-            <a:r>
-              <a:rPr lang="es-MX" sz="2000" dirty="0" err="1">
-                <a:solidFill>
-                  <a:schemeClr val="bg1"/>
-                </a:solidFill>
-                <a:latin typeface="Ubuntu" panose="020B0504030602030204" pitchFamily="34" charset="0"/>
-              </a:rPr>
-              <a:t>BitKeeper</a:t>
-            </a:r>
-            <a:r>
-              <a:rPr lang="es-MX" sz="2000" dirty="0">
-                <a:solidFill>
-                  <a:schemeClr val="bg1"/>
-                </a:solidFill>
-                <a:latin typeface="Ubuntu" panose="020B0504030602030204" pitchFamily="34" charset="0"/>
-              </a:rPr>
-              <a:t> se vino abajo y</a:t>
-            </a:r>
-            <a:endParaRPr lang="es-VE" sz="2000" dirty="0">
-              <a:solidFill>
-                <a:schemeClr val="bg1"/>
-              </a:solidFill>
-              <a:latin typeface="Ubuntu" panose="020B0504030602030204" pitchFamily="34" charset="0"/>
-            </a:endParaRPr>
-          </a:p>
-          <a:p>
-            <a:r>
-              <a:rPr lang="es-MX" sz="2000" dirty="0" smtClean="0">
-                <a:solidFill>
-                  <a:schemeClr val="bg1"/>
-                </a:solidFill>
-                <a:latin typeface="Ubuntu" panose="020B0504030602030204" pitchFamily="34" charset="0"/>
-              </a:rPr>
-              <a:t>la </a:t>
-            </a:r>
-            <a:r>
-              <a:rPr lang="es-MX" sz="2000" dirty="0">
-                <a:solidFill>
-                  <a:schemeClr val="bg1"/>
-                </a:solidFill>
-                <a:latin typeface="Ubuntu" panose="020B0504030602030204" pitchFamily="34" charset="0"/>
-              </a:rPr>
-              <a:t>herramienta dejó de ser ofrecida de manera gratuita. Esto impulsó a la comunidad de desarrollo de Linux  a desarrollar su propia herramienta</a:t>
-            </a:r>
-            <a:endParaRPr lang="es-VE" sz="2000" dirty="0">
-              <a:solidFill>
-                <a:schemeClr val="bg1"/>
-              </a:solidFill>
-              <a:latin typeface="Ubuntu" panose="020B0504030602030204" pitchFamily="34" charset="0"/>
-            </a:endParaRPr>
-          </a:p>
-          <a:p>
-            <a:endParaRPr lang="es-VE" dirty="0"/>
-          </a:p>
-        </p:txBody>
-      </p:sp>
-    </p:spTree>
-    <p:extLst>
-      <p:ext uri="{BB962C8B-B14F-4D97-AF65-F5344CB8AC3E}">
-        <p14:creationId xmlns:p14="http://schemas.microsoft.com/office/powerpoint/2010/main" val="3605343560"/>
-      </p:ext>
-    </p:extLst>
-  </p:cSld>
-  <p:clrMapOvr>
-    <a:masterClrMapping/>
-  </p:clrMapOvr>
-  <p:timing>
-    <p:tnLst>
-      <p:par>
-        <p:cTn id="1" dur="indefinite" restart="never" nodeType="tmRoot"/>
-      </p:par>
-    </p:tnLst>
-  </p:timing>
-</p:sld>
-</file>
-
-<file path=ppt/slides/slide7.xml><?xml version="1.0" encoding="utf-8"?>
-<p:sld xmlns:a="http://schemas.openxmlformats.org/drawingml/2006/main" xmlns:r="http://schemas.openxmlformats.org/officeDocument/2006/relationships" xmlns:p="http://schemas.openxmlformats.org/presentationml/2006/main">
-  <p:cSld>
-    <p:bg>
-      <p:bgPr>
-        <a:gradFill>
-          <a:gsLst>
-            <a:gs pos="0">
-              <a:srgbClr val="990033">
-                <a:lumMod val="81000"/>
-              </a:srgbClr>
-            </a:gs>
-            <a:gs pos="84000">
-              <a:schemeClr val="accent4">
-                <a:lumMod val="25000"/>
-              </a:schemeClr>
-            </a:gs>
-          </a:gsLst>
-          <a:lin ang="19200000" scaled="0"/>
-        </a:gradFill>
-        <a:effectLst/>
-      </p:bgPr>
-    </p:bg>
-    <p:spTree>
-      <p:nvGrpSpPr>
-        <p:cNvPr id="1" name=""/>
-        <p:cNvGrpSpPr/>
-        <p:nvPr/>
-      </p:nvGrpSpPr>
-      <p:grpSpPr>
-        <a:xfrm>
-          <a:off x="0" y="0"/>
-          <a:ext cx="0" cy="0"/>
-          <a:chOff x="0" y="0"/>
-          <a:chExt cx="0" cy="0"/>
-        </a:xfrm>
-      </p:grpSpPr>
-      <p:sp>
-        <p:nvSpPr>
-          <p:cNvPr id="2" name="1 CuadroTexto"/>
-          <p:cNvSpPr txBox="1"/>
-          <p:nvPr/>
-        </p:nvSpPr>
-        <p:spPr>
-          <a:xfrm>
-            <a:off x="395536" y="404664"/>
-            <a:ext cx="8592417" cy="523220"/>
-          </a:xfrm>
-          <a:prstGeom prst="rect">
-            <a:avLst/>
-          </a:prstGeom>
-          <a:noFill/>
-        </p:spPr>
-        <p:txBody>
-          <a:bodyPr wrap="none" rtlCol="0">
-            <a:spAutoFit/>
-          </a:bodyPr>
-          <a:lstStyle/>
-          <a:p>
-            <a:r>
-              <a:rPr lang="es-MX" sz="2800" b="1" dirty="0" smtClean="0">
-                <a:solidFill>
-                  <a:schemeClr val="bg1"/>
-                </a:solidFill>
-                <a:latin typeface="Ubuntu" panose="020B0504030602030204" pitchFamily="34" charset="0"/>
-              </a:rPr>
-              <a:t>Sistema de control de Versiones Descentralizado</a:t>
-            </a:r>
-            <a:endParaRPr lang="es-VE" sz="2800" b="1" dirty="0">
-              <a:solidFill>
-                <a:schemeClr val="bg1"/>
-              </a:solidFill>
-              <a:latin typeface="Ubuntu" panose="020B0504030602030204" pitchFamily="34" charset="0"/>
-            </a:endParaRPr>
-          </a:p>
-        </p:txBody>
-      </p:sp>
-      <p:pic>
-        <p:nvPicPr>
-          <p:cNvPr id="3074" name="Picture 2" descr="C:\Users\Leonardo\Desktop\programacion_web_primer_modulo\contenido_curso\3_sistema_de_control_de_versiones\Distributed-Version-Control-System-Workflow-What-Is-Git-Edureka.png"/>
-          <p:cNvPicPr>
-            <a:picLocks noChangeAspect="1" noChangeArrowheads="1"/>
-          </p:cNvPicPr>
-          <p:nvPr/>
-        </p:nvPicPr>
-        <p:blipFill>
-          <a:blip r:embed="rId2">
-            <a:extLst>
-              <a:ext uri="{28A0092B-C50C-407E-A947-70E740481C1C}">
-                <a14:useLocalDpi xmlns:a14="http://schemas.microsoft.com/office/drawing/2010/main" val="0"/>
-              </a:ext>
-            </a:extLst>
-          </a:blip>
-          <a:srcRect/>
-          <a:stretch>
-            <a:fillRect/>
-          </a:stretch>
-        </p:blipFill>
-        <p:spPr bwMode="auto">
-          <a:xfrm>
-            <a:off x="648778" y="1124744"/>
-            <a:ext cx="8085931" cy="5347494"/>
-          </a:xfrm>
-          <a:prstGeom prst="rect">
-            <a:avLst/>
-          </a:prstGeom>
-          <a:noFill/>
-          <a:extLst>
-            <a:ext uri="{909E8E84-426E-40DD-AFC4-6F175D3DCCD1}">
-              <a14:hiddenFill xmlns:a14="http://schemas.microsoft.com/office/drawing/2010/main">
-                <a:solidFill>
-                  <a:srgbClr val="FFFFFF"/>
-                </a:solidFill>
-              </a14:hiddenFill>
-            </a:ext>
-          </a:extLst>
-        </p:spPr>
-      </p:pic>
-    </p:spTree>
-    <p:extLst>
-      <p:ext uri="{BB962C8B-B14F-4D97-AF65-F5344CB8AC3E}">
-        <p14:creationId xmlns:p14="http://schemas.microsoft.com/office/powerpoint/2010/main" val="2387834097"/>
-      </p:ext>
-    </p:extLst>
-  </p:cSld>
-  <p:clrMapOvr>
-    <a:masterClrMapping/>
-  </p:clrMapOvr>
-  <p:timing>
-    <p:tnLst>
-      <p:par>
-        <p:cTn id="1" dur="indefinite" restart="never" nodeType="tmRoot"/>
-      </p:par>
-    </p:tnLst>
-  </p:timing>
-</p:sld>
-</file>
-
-<file path=ppt/slides/slide8.xml><?xml version="1.0" encoding="utf-8"?>
-<p:sld xmlns:a="http://schemas.openxmlformats.org/drawingml/2006/main" xmlns:r="http://schemas.openxmlformats.org/officeDocument/2006/relationships" xmlns:p="http://schemas.openxmlformats.org/presentationml/2006/main">
-  <p:cSld>
-    <p:bg>
-      <p:bgPr>
-        <a:gradFill>
-          <a:gsLst>
-            <a:gs pos="0">
-              <a:srgbClr val="990033">
-                <a:lumMod val="81000"/>
-              </a:srgbClr>
-            </a:gs>
-            <a:gs pos="84000">
-              <a:schemeClr val="accent4">
-                <a:lumMod val="25000"/>
-              </a:schemeClr>
-            </a:gs>
-          </a:gsLst>
-          <a:lin ang="19200000" scaled="0"/>
-        </a:gradFill>
-        <a:effectLst/>
-      </p:bgPr>
-    </p:bg>
-    <p:spTree>
-      <p:nvGrpSpPr>
-        <p:cNvPr id="1" name=""/>
-        <p:cNvGrpSpPr/>
-        <p:nvPr/>
-      </p:nvGrpSpPr>
-      <p:grpSpPr>
-        <a:xfrm>
-          <a:off x="0" y="0"/>
-          <a:ext cx="0" cy="0"/>
-          <a:chOff x="0" y="0"/>
-          <a:chExt cx="0" cy="0"/>
-        </a:xfrm>
-      </p:grpSpPr>
-      <p:sp>
-        <p:nvSpPr>
-          <p:cNvPr id="2" name="1 CuadroTexto"/>
-          <p:cNvSpPr txBox="1"/>
-          <p:nvPr/>
-        </p:nvSpPr>
-        <p:spPr>
-          <a:xfrm>
-            <a:off x="395536" y="404664"/>
-            <a:ext cx="7996100" cy="523220"/>
-          </a:xfrm>
-          <a:prstGeom prst="rect">
-            <a:avLst/>
-          </a:prstGeom>
-          <a:noFill/>
-        </p:spPr>
-        <p:txBody>
-          <a:bodyPr wrap="none" rtlCol="0">
-            <a:spAutoFit/>
-          </a:bodyPr>
-          <a:lstStyle/>
-          <a:p>
-            <a:r>
-              <a:rPr lang="es-MX" sz="2800" b="1" dirty="0" smtClean="0">
-                <a:solidFill>
-                  <a:schemeClr val="bg1"/>
-                </a:solidFill>
-                <a:latin typeface="Ubuntu" panose="020B0504030602030204" pitchFamily="34" charset="0"/>
-              </a:rPr>
-              <a:t>Sistema de control de Versiones Centralizado</a:t>
-            </a:r>
-            <a:endParaRPr lang="es-VE" sz="2800" b="1" dirty="0">
-              <a:solidFill>
-                <a:schemeClr val="bg1"/>
-              </a:solidFill>
-              <a:latin typeface="Ubuntu" panose="020B0504030602030204" pitchFamily="34" charset="0"/>
-            </a:endParaRPr>
-          </a:p>
-        </p:txBody>
-      </p:sp>
-      <p:pic>
-        <p:nvPicPr>
-          <p:cNvPr id="4098" name="Picture 2" descr="C:\Users\Leonardo\Desktop\programacion_web_primer_modulo\contenido_curso\3_sistema_de_control_de_versiones\Centralized-Version-Control-System-Workflow-What-Is-Git-Edureka.png"/>
-          <p:cNvPicPr>
-            <a:picLocks noChangeAspect="1" noChangeArrowheads="1"/>
-          </p:cNvPicPr>
-          <p:nvPr/>
-        </p:nvPicPr>
-        <p:blipFill>
-          <a:blip r:embed="rId2">
-            <a:extLst>
-              <a:ext uri="{28A0092B-C50C-407E-A947-70E740481C1C}">
-                <a14:useLocalDpi xmlns:a14="http://schemas.microsoft.com/office/drawing/2010/main" val="0"/>
-              </a:ext>
-            </a:extLst>
-          </a:blip>
-          <a:srcRect/>
-          <a:stretch>
-            <a:fillRect/>
-          </a:stretch>
-        </p:blipFill>
-        <p:spPr bwMode="auto">
-          <a:xfrm>
-            <a:off x="395536" y="1777381"/>
-            <a:ext cx="8478409" cy="3744416"/>
-          </a:xfrm>
-          <a:prstGeom prst="rect">
-            <a:avLst/>
-          </a:prstGeom>
-          <a:noFill/>
-          <a:extLst>
-            <a:ext uri="{909E8E84-426E-40DD-AFC4-6F175D3DCCD1}">
-              <a14:hiddenFill xmlns:a14="http://schemas.microsoft.com/office/drawing/2010/main">
-                <a:solidFill>
-                  <a:srgbClr val="FFFFFF"/>
-                </a:solidFill>
-              </a14:hiddenFill>
-            </a:ext>
-          </a:extLst>
-        </p:spPr>
-      </p:pic>
-    </p:spTree>
-    <p:extLst>
-      <p:ext uri="{BB962C8B-B14F-4D97-AF65-F5344CB8AC3E}">
-        <p14:creationId xmlns:p14="http://schemas.microsoft.com/office/powerpoint/2010/main" val="2375637774"/>
-      </p:ext>
-    </p:extLst>
-  </p:cSld>
-  <p:clrMapOvr>
-    <a:masterClrMapping/>
-  </p:clrMapOvr>
-  <p:timing>
-    <p:tnLst>
-      <p:par>
-        <p:cTn id="1" dur="indefinite" restart="never" nodeType="tmRoot"/>
-      </p:par>
-    </p:tnLst>
-  </p:timing>
-</p:sld>
-</file>
-
-<file path=ppt/slides/slide9.xml><?xml version="1.0" encoding="utf-8"?>
-<p:sld xmlns:a="http://schemas.openxmlformats.org/drawingml/2006/main" xmlns:r="http://schemas.openxmlformats.org/officeDocument/2006/relationships" xmlns:p="http://schemas.openxmlformats.org/presentationml/2006/main">
-  <p:cSld>
-    <p:bg>
-      <p:bgPr>
-        <a:gradFill>
-          <a:gsLst>
-            <a:gs pos="0">
-              <a:srgbClr val="990033">
-                <a:lumMod val="81000"/>
-              </a:srgbClr>
-            </a:gs>
-            <a:gs pos="84000">
-              <a:schemeClr val="accent4">
-                <a:lumMod val="25000"/>
-              </a:schemeClr>
-            </a:gs>
-          </a:gsLst>
-          <a:lin ang="19200000" scaled="0"/>
-        </a:gradFill>
-        <a:effectLst/>
-      </p:bgPr>
-    </p:bg>
-    <p:spTree>
-      <p:nvGrpSpPr>
-        <p:cNvPr id="1" name=""/>
-        <p:cNvGrpSpPr/>
-        <p:nvPr/>
-      </p:nvGrpSpPr>
-      <p:grpSpPr>
-        <a:xfrm>
-          <a:off x="0" y="0"/>
-          <a:ext cx="0" cy="0"/>
-          <a:chOff x="0" y="0"/>
-          <a:chExt cx="0" cy="0"/>
-        </a:xfrm>
-      </p:grpSpPr>
-      <p:sp>
-        <p:nvSpPr>
-          <p:cNvPr id="2" name="1 CuadroTexto"/>
-          <p:cNvSpPr txBox="1"/>
-          <p:nvPr/>
-        </p:nvSpPr>
-        <p:spPr>
-          <a:xfrm>
-            <a:off x="1292310" y="2028617"/>
-            <a:ext cx="6559381" cy="2800767"/>
-          </a:xfrm>
-          <a:prstGeom prst="rect">
-            <a:avLst/>
-          </a:prstGeom>
-          <a:noFill/>
-        </p:spPr>
-        <p:txBody>
-          <a:bodyPr wrap="square" rtlCol="0">
-            <a:spAutoFit/>
-          </a:bodyPr>
-          <a:lstStyle/>
-          <a:p>
-            <a:pPr algn="ctr"/>
-            <a:r>
-              <a:rPr lang="es-MX" sz="8800" dirty="0" smtClean="0">
-                <a:solidFill>
-                  <a:schemeClr val="bg1"/>
-                </a:solidFill>
-                <a:latin typeface="Futurama" pitchFamily="2" charset="0"/>
-              </a:rPr>
-              <a:t>Funcionamiento de GIT</a:t>
-            </a:r>
-            <a:endParaRPr lang="es-VE" sz="8800" dirty="0">
-              <a:solidFill>
-                <a:schemeClr val="bg1"/>
-              </a:solidFill>
-              <a:latin typeface="Futurama" pitchFamily="2" charset="0"/>
-            </a:endParaRPr>
-          </a:p>
-        </p:txBody>
-      </p:sp>
-    </p:spTree>
-    <p:extLst>
-      <p:ext uri="{BB962C8B-B14F-4D97-AF65-F5344CB8AC3E}">
-        <p14:creationId xmlns:p14="http://schemas.microsoft.com/office/powerpoint/2010/main" val="3681790537"/>
       </p:ext>
     </p:extLst>
   </p:cSld>
